--- a/Project4_Relocating-Loader.pptx
+++ b/Project4_Relocating-Loader.pptx
@@ -5,21 +5,18 @@
     <p:sldMasterId id="2147483660" r:id="rId4"/>
   </p:sldMasterIdLst>
   <p:notesMasterIdLst>
-    <p:notesMasterId r:id="rId17"/>
+    <p:notesMasterId r:id="rId14"/>
   </p:notesMasterIdLst>
   <p:sldIdLst>
     <p:sldId id="278" r:id="rId5"/>
     <p:sldId id="279" r:id="rId6"/>
     <p:sldId id="280" r:id="rId7"/>
     <p:sldId id="281" r:id="rId8"/>
-    <p:sldId id="292" r:id="rId9"/>
-    <p:sldId id="282" r:id="rId10"/>
-    <p:sldId id="286" r:id="rId11"/>
-    <p:sldId id="287" r:id="rId12"/>
-    <p:sldId id="284" r:id="rId13"/>
-    <p:sldId id="283" r:id="rId14"/>
-    <p:sldId id="293" r:id="rId15"/>
-    <p:sldId id="285" r:id="rId16"/>
+    <p:sldId id="282" r:id="rId9"/>
+    <p:sldId id="286" r:id="rId10"/>
+    <p:sldId id="284" r:id="rId11"/>
+    <p:sldId id="283" r:id="rId12"/>
+    <p:sldId id="285" r:id="rId13"/>
   </p:sldIdLst>
   <p:sldSz cx="12192000" cy="6858000"/>
   <p:notesSz cx="6858000" cy="9144000"/>
@@ -219,7 +216,7 @@
           <a:p>
             <a:fld id="{AFD01546-198A-4195-BCF8-F0FF54C90E5E}" type="datetimeFigureOut">
               <a:rPr lang="en-US" smtClean="0"/>
-              <a:t>11/30/2025</a:t>
+              <a:t>12/2/2025</a:t>
             </a:fld>
             <a:endParaRPr lang="en-US" dirty="0"/>
           </a:p>
@@ -539,8 +536,14 @@
           <a:p>
             <a:r>
               <a:rPr lang="en-US" dirty="0"/>
-              <a:t>*** If we really need to do introductions:</a:t>
-            </a:r>
+              <a:t>*** FEEDBACK FROM PROF: Actually, introduce yourself ****</a:t>
+            </a:r>
+          </a:p>
+          <a:p>
+            <a:endParaRPr lang="en-US" dirty="0"/>
+          </a:p>
+          <a:p>
+            <a:endParaRPr lang="en-US" dirty="0"/>
           </a:p>
           <a:p>
             <a:r>
@@ -563,7 +566,7 @@
           <a:p>
             <a:r>
               <a:rPr lang="en-US" dirty="0"/>
-              <a:t>“Hello everyone, we’ll be presenting our Relocating Loader which is Project 4 Option 2, Option A.</a:t>
+              <a:t>“Hello everyone, we’ll be presenting our Relocating Loader which is the Relocating Loader (Option 2A).</a:t>
             </a:r>
           </a:p>
           <a:p>
@@ -572,407 +575,6 @@
               <a:t>I’m ___, and my group members are ___ and ___.”</a:t>
             </a:r>
             <a:endParaRPr dirty="0"/>
-          </a:p>
-        </p:txBody>
-      </p:sp>
-      <p:sp>
-        <p:nvSpPr>
-          <p:cNvPr id="4" name="Slide Number Placeholder 3"/>
-          <p:cNvSpPr>
-            <a:spLocks noGrp="1"/>
-          </p:cNvSpPr>
-          <p:nvPr>
-            <p:ph type="sldNum" sz="quarter" idx="5"/>
-          </p:nvPr>
-        </p:nvSpPr>
-        <p:spPr/>
-        <p:txBody>
-          <a:bodyPr/>
-          <a:lstStyle/>
-          <a:p>
-            <a:endParaRPr lang="en-US"/>
-          </a:p>
-        </p:txBody>
-      </p:sp>
-    </p:spTree>
-  </p:cSld>
-  <p:clrMapOvr>
-    <a:masterClrMapping/>
-  </p:clrMapOvr>
-</p:notes>
-</file>
-
-<file path=ppt/notesSlides/notesSlide10.xml><?xml version="1.0" encoding="utf-8"?>
-<p:notes xmlns:a="http://schemas.openxmlformats.org/drawingml/2006/main" xmlns:r="http://schemas.openxmlformats.org/officeDocument/2006/relationships" xmlns:p="http://schemas.openxmlformats.org/presentationml/2006/main">
-  <p:cSld>
-    <p:spTree>
-      <p:nvGrpSpPr>
-        <p:cNvPr id="1" name=""/>
-        <p:cNvGrpSpPr/>
-        <p:nvPr/>
-      </p:nvGrpSpPr>
-      <p:grpSpPr>
-        <a:xfrm>
-          <a:off x="0" y="0"/>
-          <a:ext cx="0" cy="0"/>
-          <a:chOff x="0" y="0"/>
-          <a:chExt cx="0" cy="0"/>
-        </a:xfrm>
-      </p:grpSpPr>
-      <p:sp>
-        <p:nvSpPr>
-          <p:cNvPr id="2" name="Slide Image Placeholder 1"/>
-          <p:cNvSpPr>
-            <a:spLocks noGrp="1" noRot="1" noChangeAspect="1"/>
-          </p:cNvSpPr>
-          <p:nvPr>
-            <p:ph type="sldImg" idx="2"/>
-          </p:nvPr>
-        </p:nvSpPr>
-        <p:spPr/>
-        <p:txBody>
-          <a:bodyPr/>
-          <a:lstStyle/>
-          <a:p>
-            <a:endParaRPr lang="en-US"/>
-          </a:p>
-        </p:txBody>
-      </p:sp>
-      <p:sp>
-        <p:nvSpPr>
-          <p:cNvPr id="3" name="Notes Placeholder 2"/>
-          <p:cNvSpPr>
-            <a:spLocks noGrp="1"/>
-          </p:cNvSpPr>
-          <p:nvPr>
-            <p:ph type="body" sz="quarter" idx="3"/>
-          </p:nvPr>
-        </p:nvSpPr>
-        <p:spPr/>
-        <p:txBody>
-          <a:bodyPr/>
-          <a:lstStyle/>
-          <a:p>
-            <a:r>
-              <a:rPr lang="en-US" dirty="0"/>
-              <a:t>Onto </a:t>
-            </a:r>
-            <a:r>
-              <a:rPr dirty="0"/>
-              <a:t>our solution approach</a:t>
-            </a:r>
-            <a:r>
-              <a:rPr lang="en-US" dirty="0"/>
-              <a:t>, w</a:t>
-            </a:r>
-            <a:r>
-              <a:rPr dirty="0"/>
-              <a:t>e only modify fields that actually need relocation.</a:t>
-            </a:r>
-          </a:p>
-          <a:p>
-            <a:r>
-              <a:rPr dirty="0"/>
-              <a:t>Each T record is stored in a TextRecord with its start address, length, and its object code</a:t>
-            </a:r>
-          </a:p>
-          <a:p>
-            <a:r>
-              <a:rPr dirty="0"/>
-              <a:t>bytes as a hex string.</a:t>
-            </a:r>
-          </a:p>
-          <a:p>
-            <a:r>
-              <a:rPr dirty="0"/>
-              <a:t>Each relocation patch is stored in a ModRecord with an address and a length (in half-bytes).</a:t>
-            </a:r>
-          </a:p>
-          <a:p>
-            <a:r>
-              <a:rPr dirty="0"/>
-              <a:t>relocate_and_print() is the part of the program where we apply the offset and produce the</a:t>
-            </a:r>
-          </a:p>
-          <a:p>
-            <a:r>
-              <a:rPr dirty="0"/>
-              <a:t>relocated T/E output.</a:t>
-            </a:r>
-            <a:endParaRPr lang="en-US" dirty="0"/>
-          </a:p>
-          <a:p>
-            <a:r>
-              <a:rPr lang="en-US" dirty="0"/>
-              <a:t>(EXAMPLE , CAN REPLACE)</a:t>
-            </a:r>
-          </a:p>
-        </p:txBody>
-      </p:sp>
-      <p:sp>
-        <p:nvSpPr>
-          <p:cNvPr id="4" name="Slide Number Placeholder 3"/>
-          <p:cNvSpPr>
-            <a:spLocks noGrp="1"/>
-          </p:cNvSpPr>
-          <p:nvPr>
-            <p:ph type="sldNum" sz="quarter" idx="5"/>
-          </p:nvPr>
-        </p:nvSpPr>
-        <p:spPr/>
-        <p:txBody>
-          <a:bodyPr/>
-          <a:lstStyle/>
-          <a:p>
-            <a:endParaRPr lang="en-US"/>
-          </a:p>
-        </p:txBody>
-      </p:sp>
-    </p:spTree>
-  </p:cSld>
-  <p:clrMapOvr>
-    <a:masterClrMapping/>
-  </p:clrMapOvr>
-</p:notes>
-</file>
-
-<file path=ppt/notesSlides/notesSlide11.xml><?xml version="1.0" encoding="utf-8"?>
-<p:notes xmlns:a="http://schemas.openxmlformats.org/drawingml/2006/main" xmlns:r="http://schemas.openxmlformats.org/officeDocument/2006/relationships" xmlns:p="http://schemas.openxmlformats.org/presentationml/2006/main">
-  <p:cSld>
-    <p:spTree>
-      <p:nvGrpSpPr>
-        <p:cNvPr id="1" name=""/>
-        <p:cNvGrpSpPr/>
-        <p:nvPr/>
-      </p:nvGrpSpPr>
-      <p:grpSpPr>
-        <a:xfrm>
-          <a:off x="0" y="0"/>
-          <a:ext cx="0" cy="0"/>
-          <a:chOff x="0" y="0"/>
-          <a:chExt cx="0" cy="0"/>
-        </a:xfrm>
-      </p:grpSpPr>
-      <p:sp>
-        <p:nvSpPr>
-          <p:cNvPr id="2" name="Slide Image Placeholder 1"/>
-          <p:cNvSpPr>
-            <a:spLocks noGrp="1" noRot="1" noChangeAspect="1"/>
-          </p:cNvSpPr>
-          <p:nvPr>
-            <p:ph type="sldImg" idx="2"/>
-          </p:nvPr>
-        </p:nvSpPr>
-        <p:spPr/>
-        <p:txBody>
-          <a:bodyPr/>
-          <a:lstStyle/>
-          <a:p>
-            <a:endParaRPr lang="en-US"/>
-          </a:p>
-        </p:txBody>
-      </p:sp>
-      <p:sp>
-        <p:nvSpPr>
-          <p:cNvPr id="3" name="Notes Placeholder 2"/>
-          <p:cNvSpPr>
-            <a:spLocks noGrp="1"/>
-          </p:cNvSpPr>
-          <p:nvPr>
-            <p:ph type="body" sz="quarter" idx="3"/>
-          </p:nvPr>
-        </p:nvSpPr>
-        <p:spPr/>
-        <p:txBody>
-          <a:bodyPr/>
-          <a:lstStyle/>
-          <a:p>
-            <a:r>
-              <a:rPr lang="en-US" dirty="0"/>
-              <a:t>As for how we solved the </a:t>
-            </a:r>
-            <a:r>
-              <a:rPr dirty="0"/>
-              <a:t>relocation process</a:t>
-            </a:r>
-            <a:r>
-              <a:rPr lang="en-US" dirty="0"/>
-              <a:t>,</a:t>
-            </a:r>
-            <a:endParaRPr dirty="0"/>
-          </a:p>
-          <a:p>
-            <a:r>
-              <a:rPr lang="en-US" dirty="0"/>
-              <a:t>We first determine</a:t>
-            </a:r>
-            <a:r>
-              <a:rPr dirty="0"/>
-              <a:t> the offset using the chosen load address: offset = newStart - oldStart.</a:t>
-            </a:r>
-          </a:p>
-          <a:p>
-            <a:r>
-              <a:rPr dirty="0"/>
-              <a:t>Then we shift each T record start address by that offset so the blocks load into the new</a:t>
-            </a:r>
-          </a:p>
-          <a:p>
-            <a:r>
-              <a:rPr dirty="0"/>
-              <a:t>region properly.</a:t>
-            </a:r>
-          </a:p>
-          <a:p>
-            <a:r>
-              <a:rPr dirty="0"/>
-              <a:t>Finally, we patch only the operand fields identified by the M records, using the length in</a:t>
-            </a:r>
-          </a:p>
-          <a:p>
-            <a:r>
-              <a:rPr dirty="0"/>
-              <a:t>half-bytes so we don’t touch opcodes or flags.</a:t>
-            </a:r>
-            <a:endParaRPr lang="en-US" dirty="0"/>
-          </a:p>
-          <a:p>
-            <a:pPr marL="0" marR="0" lvl="0" indent="0" algn="l" defTabSz="914400" rtl="0" eaLnBrk="1" fontAlgn="auto" latinLnBrk="0" hangingPunct="1">
-              <a:lnSpc>
-                <a:spcPct val="100000"/>
-              </a:lnSpc>
-              <a:spcBef>
-                <a:spcPts val="0"/>
-              </a:spcBef>
-              <a:spcAft>
-                <a:spcPts val="0"/>
-              </a:spcAft>
-              <a:buClrTx/>
-              <a:buSzTx/>
-              <a:buFontTx/>
-              <a:buNone/>
-              <a:tabLst/>
-              <a:defRPr/>
-            </a:pPr>
-            <a:r>
-              <a:rPr lang="en-US" dirty="0"/>
-              <a:t>(EXAMPLE , CAN REPLACE)</a:t>
-            </a:r>
-          </a:p>
-        </p:txBody>
-      </p:sp>
-      <p:sp>
-        <p:nvSpPr>
-          <p:cNvPr id="4" name="Slide Number Placeholder 3"/>
-          <p:cNvSpPr>
-            <a:spLocks noGrp="1"/>
-          </p:cNvSpPr>
-          <p:nvPr>
-            <p:ph type="sldNum" sz="quarter" idx="5"/>
-          </p:nvPr>
-        </p:nvSpPr>
-        <p:spPr/>
-        <p:txBody>
-          <a:bodyPr/>
-          <a:lstStyle/>
-          <a:p>
-            <a:pPr marL="0" marR="0" lvl="0" indent="0" algn="r" defTabSz="914400" rtl="0" eaLnBrk="1" fontAlgn="auto" latinLnBrk="0" hangingPunct="1">
-              <a:lnSpc>
-                <a:spcPct val="100000"/>
-              </a:lnSpc>
-              <a:spcBef>
-                <a:spcPts val="0"/>
-              </a:spcBef>
-              <a:spcAft>
-                <a:spcPts val="0"/>
-              </a:spcAft>
-              <a:buClrTx/>
-              <a:buSzTx/>
-              <a:buFontTx/>
-              <a:buNone/>
-              <a:tabLst/>
-              <a:defRPr/>
-            </a:pPr>
-            <a:endParaRPr kumimoji="0" lang="en-US" sz="1200" b="0" i="0" u="none" strike="noStrike" kern="1200" cap="none" spc="0" normalizeH="0" baseline="0" noProof="0">
-              <a:ln>
-                <a:noFill/>
-              </a:ln>
-              <a:solidFill>
-                <a:prstClr val="black"/>
-              </a:solidFill>
-              <a:effectLst/>
-              <a:uLnTx/>
-              <a:uFillTx/>
-              <a:latin typeface="Calibri" panose="020F0502020204030204"/>
-              <a:ea typeface="+mn-ea"/>
-              <a:cs typeface="+mn-cs"/>
-            </a:endParaRPr>
-          </a:p>
-        </p:txBody>
-      </p:sp>
-    </p:spTree>
-  </p:cSld>
-  <p:clrMapOvr>
-    <a:masterClrMapping/>
-  </p:clrMapOvr>
-</p:notes>
-</file>
-
-<file path=ppt/notesSlides/notesSlide12.xml><?xml version="1.0" encoding="utf-8"?>
-<p:notes xmlns:a="http://schemas.openxmlformats.org/drawingml/2006/main" xmlns:r="http://schemas.openxmlformats.org/officeDocument/2006/relationships" xmlns:p="http://schemas.openxmlformats.org/presentationml/2006/main">
-  <p:cSld>
-    <p:spTree>
-      <p:nvGrpSpPr>
-        <p:cNvPr id="1" name=""/>
-        <p:cNvGrpSpPr/>
-        <p:nvPr/>
-      </p:nvGrpSpPr>
-      <p:grpSpPr>
-        <a:xfrm>
-          <a:off x="0" y="0"/>
-          <a:ext cx="0" cy="0"/>
-          <a:chOff x="0" y="0"/>
-          <a:chExt cx="0" cy="0"/>
-        </a:xfrm>
-      </p:grpSpPr>
-      <p:sp>
-        <p:nvSpPr>
-          <p:cNvPr id="2" name="Slide Image Placeholder 1"/>
-          <p:cNvSpPr>
-            <a:spLocks noGrp="1" noRot="1" noChangeAspect="1"/>
-          </p:cNvSpPr>
-          <p:nvPr>
-            <p:ph type="sldImg" idx="2"/>
-          </p:nvPr>
-        </p:nvSpPr>
-        <p:spPr/>
-        <p:txBody>
-          <a:bodyPr/>
-          <a:lstStyle/>
-          <a:p>
-            <a:endParaRPr lang="en-US"/>
-          </a:p>
-        </p:txBody>
-      </p:sp>
-      <p:sp>
-        <p:nvSpPr>
-          <p:cNvPr id="3" name="Notes Placeholder 2"/>
-          <p:cNvSpPr>
-            <a:spLocks noGrp="1"/>
-          </p:cNvSpPr>
-          <p:nvPr>
-            <p:ph type="body" sz="quarter" idx="3"/>
-          </p:nvPr>
-        </p:nvSpPr>
-        <p:spPr/>
-        <p:txBody>
-          <a:bodyPr/>
-          <a:lstStyle/>
-          <a:p>
-            <a:r>
-              <a:rPr lang="en-US" dirty="0"/>
-              <a:t>At this point we transition into the live demonstration.</a:t>
-            </a:r>
           </a:p>
         </p:txBody>
       </p:sp>
@@ -1247,7 +849,7 @@
           <a:p>
             <a:r>
               <a:rPr lang="en-US" dirty="0"/>
-              <a:t>For this project, our goal is to build a relocating loader for SIC. The program takes three inputs:</a:t>
+              <a:t>For this project, the goal here is to build a relocating loader for SIC. The program takes three inputs:</a:t>
             </a:r>
           </a:p>
           <a:p>
@@ -1337,66 +939,42 @@
           <a:lstStyle/>
           <a:p>
             <a:r>
+              <a:rPr dirty="0"/>
+              <a:t>This is the </a:t>
+            </a:r>
+            <a:r>
               <a:rPr lang="en-US" dirty="0"/>
-              <a:t>Starting with the</a:t>
+              <a:t>basic </a:t>
             </a:r>
             <a:r>
               <a:rPr dirty="0"/>
-              <a:t> main, we validate the inputs, convert the hex relocation address using strtol(..., 16),</a:t>
+              <a:t>flow of our loader.</a:t>
             </a:r>
           </a:p>
           <a:p>
             <a:r>
               <a:rPr dirty="0"/>
-              <a:t>and open the object file.</a:t>
-            </a:r>
-          </a:p>
-          <a:p>
+              <a:t>We take in the object </a:t>
+            </a:r>
+            <a:r>
+              <a:rPr lang="en-US" dirty="0"/>
+              <a:t>file,</a:t>
+            </a:r>
             <a:r>
               <a:rPr dirty="0"/>
-              <a:t>From there, the code is organized into two core functions: parse_object_file() to read</a:t>
+              <a:t> and the new load address the user wants.</a:t>
             </a:r>
           </a:p>
           <a:p>
             <a:r>
               <a:rPr dirty="0"/>
-              <a:t>and store H/T/M/E records,</a:t>
+              <a:t>From there, we figure out the difference between the old start and the new start.</a:t>
             </a:r>
           </a:p>
           <a:p>
             <a:r>
               <a:rPr dirty="0"/>
-              <a:t>and relocate_and_print() which is where the relocation offset and relocated output are</a:t>
-            </a:r>
-          </a:p>
-          <a:p>
-            <a:r>
-              <a:rPr dirty="0"/>
-              <a:t>produced.</a:t>
-            </a:r>
-            <a:endParaRPr lang="en-US" dirty="0"/>
-          </a:p>
-          <a:p>
-            <a:pPr marL="0" marR="0" lvl="0" indent="0" algn="l" defTabSz="914400" rtl="0" eaLnBrk="1" fontAlgn="auto" latinLnBrk="0" hangingPunct="1">
-              <a:lnSpc>
-                <a:spcPct val="100000"/>
-              </a:lnSpc>
-              <a:spcBef>
-                <a:spcPts val="0"/>
-              </a:spcBef>
-              <a:spcAft>
-                <a:spcPts val="0"/>
-              </a:spcAft>
-              <a:buClrTx/>
-              <a:buSzTx/>
-              <a:buFontTx/>
-              <a:buNone/>
-              <a:tabLst/>
-              <a:defRPr/>
-            </a:pPr>
-            <a:r>
-              <a:rPr lang="en-US" dirty="0"/>
-              <a:t>(EXAMPLE , CAN REPLACE)</a:t>
+              <a:t>Then we apply that shift so the program can run from the new location, and we print the relocated output.</a:t>
             </a:r>
           </a:p>
         </p:txBody>
@@ -1481,99 +1059,42 @@
           <a:p>
             <a:r>
               <a:rPr lang="en-US" dirty="0"/>
-              <a:t>Here we focus on </a:t>
+              <a:t>As for the </a:t>
             </a:r>
             <a:r>
               <a:rPr dirty="0"/>
-              <a:t>parsing inside parse_object_file().</a:t>
-            </a:r>
-          </a:p>
-          <a:p>
-            <a:r>
-              <a:rPr dirty="0"/>
-              <a:t>We read the file line</a:t>
+              <a:t>challenges</a:t>
             </a:r>
             <a:r>
               <a:rPr lang="en-US" dirty="0"/>
-              <a:t> </a:t>
-            </a:r>
-            <a:r>
-              <a:rPr dirty="0"/>
-              <a:t>by</a:t>
-            </a:r>
+              <a:t>, there were several.</a:t>
+            </a:r>
+          </a:p>
+          <a:p>
             <a:r>
               <a:rPr lang="en-US" dirty="0"/>
-              <a:t> </a:t>
-            </a:r>
-            <a:r>
-              <a:rPr dirty="0"/>
-              <a:t>line using fgets, trim the newline, and classify the record by the</a:t>
-            </a:r>
-          </a:p>
-          <a:p>
-            <a:r>
-              <a:rPr dirty="0"/>
-              <a:t>first character: H, T, M, or E.</a:t>
-            </a:r>
-          </a:p>
-          <a:p>
-            <a:r>
-              <a:rPr dirty="0"/>
-              <a:t>Using sscanf, we pull out addresses and lengths, then convert from</a:t>
-            </a:r>
-          </a:p>
-          <a:p>
-            <a:r>
-              <a:rPr dirty="0"/>
-              <a:t>hex to integers with strtol.</a:t>
-            </a:r>
-          </a:p>
-          <a:p>
-            <a:r>
-              <a:rPr dirty="0"/>
-              <a:t>We save the header information first, then collect all T records and M records we’ll need to</a:t>
-            </a:r>
-          </a:p>
-          <a:p>
-            <a:r>
-              <a:rPr dirty="0"/>
-              <a:t>relocate later.</a:t>
-            </a:r>
-          </a:p>
-          <a:p>
-            <a:r>
-              <a:rPr dirty="0"/>
-              <a:t>The E record gives the execution start address for where the program should begin after it’s</a:t>
-            </a:r>
-          </a:p>
-          <a:p>
-            <a:r>
-              <a:rPr dirty="0"/>
-              <a:t>loaded.</a:t>
-            </a:r>
+              <a:t>A notable challenge was that each M record points to a specific address and length, and we had to line that up to the exact spot inside the object code bytes, if we’re off by even a tiny amount, we end up modifying the wrong part of the program.</a:t>
+            </a:r>
+          </a:p>
+          <a:p>
+            <a:r>
+              <a:rPr lang="en-US" dirty="0"/>
+              <a:t>Additionally, address relocation is highly sensitive, even a tiny address mistake can shift something to the wrong place and make the program behave incorrectly or crash. </a:t>
+            </a:r>
+          </a:p>
+          <a:p>
+            <a:r>
+              <a:rPr lang="en-US" dirty="0"/>
+              <a:t>Then, we had to avoid breaking instruction behavior, because not every bit in an instruction is purely an address. So, changing the wrong bits can accidentally change what the instruction does, not just where it points.</a:t>
+            </a:r>
+          </a:p>
+          <a:p>
             <a:endParaRPr lang="en-US" dirty="0"/>
           </a:p>
           <a:p>
-            <a:pPr marL="0" marR="0" lvl="0" indent="0" algn="l" defTabSz="914400" rtl="0" eaLnBrk="1" fontAlgn="auto" latinLnBrk="0" hangingPunct="1">
-              <a:lnSpc>
-                <a:spcPct val="100000"/>
-              </a:lnSpc>
-              <a:spcBef>
-                <a:spcPts val="0"/>
-              </a:spcBef>
-              <a:spcAft>
-                <a:spcPts val="0"/>
-              </a:spcAft>
-              <a:buClrTx/>
-              <a:buSzTx/>
-              <a:buFontTx/>
-              <a:buNone/>
-              <a:tabLst/>
-              <a:defRPr/>
-            </a:pPr>
             <a:r>
               <a:rPr lang="en-US" dirty="0"/>
-              <a:t>(EXAMPLE , CAN REPLACE)</a:t>
+              <a:t>*** all 3 challenges stem from the course PowerPoint “Loaders – Absolute &amp; Relocating”, specifically slide 13,17,18 *** </a:t>
             </a:r>
           </a:p>
         </p:txBody>
@@ -1658,65 +1179,75 @@
           <a:p>
             <a:r>
               <a:rPr lang="en-US" dirty="0"/>
-              <a:t>There were various challenges we encountered. </a:t>
+              <a:t>Here are a few more noteworthy challenges that we encountered:</a:t>
+            </a:r>
+          </a:p>
+          <a:p>
+            <a:r>
+              <a:rPr lang="en-US" dirty="0"/>
+              <a:t>First, SIC and SICXE don’t behave the same way, so the relocation rules aren’t identical, and mixing that up can lead to incorrect results.</a:t>
+            </a:r>
+          </a:p>
+          <a:p>
+            <a:r>
+              <a:rPr lang="en-US" dirty="0"/>
+              <a:t>Furthermore, the object program can be split across multiple records, so it’s easy to make mistakes when you’re tracking what belongs where and missing even one piece can mess up the final output. </a:t>
+            </a:r>
+          </a:p>
+          <a:p>
+            <a:r>
+              <a:rPr lang="en-US" dirty="0"/>
+              <a:t>Finally, some instruction fields affect behavior, not just addresses, so touching the wrong bits can change what the instruction does instead of just relocating it.</a:t>
+            </a:r>
+          </a:p>
+          <a:p>
+            <a:endParaRPr lang="en-US" dirty="0"/>
+          </a:p>
+          <a:p>
+            <a:r>
+              <a:rPr lang="en-US" dirty="0"/>
+              <a:t>*** these 3 challenges stem from:</a:t>
+            </a:r>
+          </a:p>
+          <a:p>
+            <a:r>
+              <a:rPr lang="en-US" dirty="0"/>
+              <a:t>1 = from Linking and Relocation, slides 13-14</a:t>
+            </a:r>
+          </a:p>
+          <a:p>
+            <a:r>
+              <a:rPr lang="en-US" dirty="0"/>
+              <a:t>2 = from Loaders – Absolute &amp; Relocating, slides 7-9</a:t>
+            </a:r>
+          </a:p>
+          <a:p>
+            <a:r>
+              <a:rPr lang="en-US" dirty="0"/>
+              <a:t>3 = from PC-Relative Addressing, slides 4-7</a:t>
+            </a:r>
+          </a:p>
+          <a:p>
+            <a:r>
+              <a:rPr lang="en-US" dirty="0"/>
+              <a:t>**************************************************</a:t>
+            </a:r>
+          </a:p>
+          <a:p>
+            <a:endParaRPr lang="en-US" dirty="0"/>
+          </a:p>
+          <a:p>
+            <a:r>
+              <a:rPr lang="en-US" dirty="0"/>
+              <a:t>Code lines 66-71 support bullet point #2</a:t>
+            </a:r>
+          </a:p>
+          <a:p>
+            <a:r>
+              <a:rPr lang="en-US" dirty="0"/>
+              <a:t>This shows the loader has to process the object program one record line at a time, and a small mistake in how you categorize a line (H/T/M/E) can throw off everything that comes after.</a:t>
             </a:r>
             <a:endParaRPr dirty="0"/>
-          </a:p>
-          <a:p>
-            <a:r>
-              <a:rPr lang="en-US" dirty="0"/>
-              <a:t>SIC uses absolute addressing, so operands often contain memory addresses</a:t>
-            </a:r>
-          </a:p>
-          <a:p>
-            <a:r>
-              <a:rPr dirty="0"/>
-              <a:t>and can’t stay unchanged after relocation.</a:t>
-            </a:r>
-          </a:p>
-          <a:p>
-            <a:r>
-              <a:rPr lang="en-US" dirty="0"/>
-              <a:t>P</a:t>
-            </a:r>
-            <a:r>
-              <a:rPr dirty="0"/>
-              <a:t>arsing </a:t>
-            </a:r>
-            <a:r>
-              <a:rPr lang="en-US" dirty="0"/>
-              <a:t>also had to</a:t>
-            </a:r>
-            <a:r>
-              <a:rPr dirty="0"/>
-              <a:t> be </a:t>
-            </a:r>
-            <a:r>
-              <a:rPr lang="en-US" dirty="0"/>
-              <a:t>perfect</a:t>
-            </a:r>
-            <a:r>
-              <a:rPr dirty="0"/>
-              <a:t> </a:t>
-            </a:r>
-            <a:r>
-              <a:rPr lang="en-US" dirty="0"/>
-              <a:t>due to </a:t>
-            </a:r>
-            <a:r>
-              <a:rPr dirty="0"/>
-              <a:t>object format</a:t>
-            </a:r>
-            <a:r>
-              <a:rPr lang="en-US" dirty="0"/>
-              <a:t>. </a:t>
-            </a:r>
-          </a:p>
-          <a:p>
-            <a:r>
-              <a:rPr lang="en-US" dirty="0"/>
-              <a:t>(EXAMPLE , CAN REPLACE)</a:t>
-            </a:r>
           </a:p>
         </p:txBody>
       </p:sp>
@@ -1800,7 +1331,7 @@
           <a:p>
             <a:r>
               <a:rPr lang="en-US" dirty="0"/>
-              <a:t>Half-bytes were another challenge we encountered</a:t>
+              <a:t>We then wanted to ensure our program functions as intended, so this was our testing process</a:t>
             </a:r>
             <a:r>
               <a:rPr dirty="0"/>
@@ -1810,37 +1341,21 @@
           <a:p>
             <a:r>
               <a:rPr dirty="0"/>
-              <a:t>M records can specify a patch length in half-bytes, meaning the loader may need to update</a:t>
-            </a:r>
-          </a:p>
-          <a:p>
+              <a:t>We start with basic input </a:t>
+            </a:r>
+            <a:r>
+              <a:rPr lang="en-US" dirty="0"/>
+              <a:t>checks,</a:t>
+            </a:r>
             <a:r>
               <a:rPr dirty="0"/>
-              <a:t>only specific hex digits, not whole bytes.</a:t>
+              <a:t> so it fails cleanly if the user runs it wrong.</a:t>
             </a:r>
           </a:p>
           <a:p>
             <a:r>
               <a:rPr dirty="0"/>
-              <a:t>Th</a:t>
-            </a:r>
-            <a:r>
-              <a:rPr lang="en-US" dirty="0"/>
-              <a:t>is</a:t>
-            </a:r>
-            <a:r>
-              <a:rPr dirty="0"/>
-              <a:t> matters when indexed mode is used, because the X bit shares space with the address</a:t>
-            </a:r>
-          </a:p>
-          <a:p>
-            <a:r>
-              <a:rPr lang="en-US" dirty="0"/>
-              <a:t>f</a:t>
-            </a:r>
-            <a:r>
-              <a:rPr dirty="0"/>
-              <a:t>ield</a:t>
+              <a:t>Then we do a no-shift test where the new address equals the old one</a:t>
             </a:r>
             <a:r>
               <a:rPr lang="en-US" dirty="0"/>
@@ -1848,38 +1363,13 @@
             </a:r>
             <a:r>
               <a:rPr dirty="0"/>
-              <a:t>changing the wrong bits </a:t>
-            </a:r>
-            <a:r>
-              <a:rPr lang="en-US" dirty="0"/>
-              <a:t>can </a:t>
-            </a:r>
+              <a:t>the output should match.</a:t>
+            </a:r>
+          </a:p>
+          <a:p>
             <a:r>
               <a:rPr dirty="0"/>
-              <a:t>change behavior.</a:t>
-            </a:r>
-          </a:p>
-          <a:p>
-            <a:r>
-              <a:rPr lang="en-US" dirty="0"/>
-              <a:t>So,</a:t>
-            </a:r>
-            <a:r>
-              <a:rPr dirty="0"/>
-              <a:t> we use the M record address and length to patch only the exact operand field inside the</a:t>
-            </a:r>
-          </a:p>
-          <a:p>
-            <a:r>
-              <a:rPr dirty="0"/>
-              <a:t>object code, not the opcode or flags.</a:t>
-            </a:r>
-            <a:endParaRPr lang="en-US" dirty="0"/>
-          </a:p>
-          <a:p>
-            <a:r>
-              <a:rPr lang="en-US" dirty="0"/>
-              <a:t>(EXAMPLE , CAN REPLACE)</a:t>
+              <a:t>After that, we use a different load address and verify everything that depends on location shifts consistently.</a:t>
             </a:r>
           </a:p>
         </p:txBody>
@@ -1964,86 +1454,25 @@
           <a:p>
             <a:r>
               <a:rPr lang="en-US" dirty="0"/>
-              <a:t>S</a:t>
-            </a:r>
-            <a:r>
-              <a:rPr dirty="0"/>
-              <a:t>upport</a:t>
-            </a:r>
+              <a:t>Here is a short and sweet summary of how we solved some of those challenges:</a:t>
+            </a:r>
+          </a:p>
+          <a:p>
             <a:r>
               <a:rPr lang="en-US" dirty="0"/>
-              <a:t>ing</a:t>
-            </a:r>
-            <a:r>
-              <a:rPr dirty="0"/>
-              <a:t> both SIC and SICXE as machine</a:t>
-            </a:r>
+              <a:t>We start with how we treat relocation as a controlled, step by step update so we don’t accidentally change unrelated parts of the object program. </a:t>
+            </a:r>
+          </a:p>
+          <a:p>
             <a:r>
               <a:rPr lang="en-US" dirty="0"/>
-              <a:t>s was also slightly challenging</a:t>
-            </a:r>
-            <a:r>
-              <a:rPr dirty="0"/>
-              <a:t>. SIC doesn’t use PC-relative</a:t>
-            </a:r>
-          </a:p>
-          <a:p>
-            <a:r>
-              <a:rPr dirty="0"/>
-              <a:t>addressing, while SICXE can, so the relocation context differs.</a:t>
-            </a:r>
-          </a:p>
-          <a:p>
-            <a:r>
-              <a:rPr dirty="0"/>
-              <a:t>Also, object files can contain multiple T and M records, so we store </a:t>
-            </a:r>
+              <a:t>Then, we update the T and E record addresses and then use the M records to identify the specific fields that need to be adjusted, so we don’t accidentally change unrelated parts of an instruction.</a:t>
+            </a:r>
+          </a:p>
+          <a:p>
             <a:r>
               <a:rPr lang="en-US" dirty="0"/>
-              <a:t>large amounts of</a:t>
-            </a:r>
-            <a:endParaRPr dirty="0"/>
-          </a:p>
-          <a:p>
-            <a:r>
-              <a:rPr dirty="0"/>
-              <a:t>records and apply multiple patches.</a:t>
-            </a:r>
-          </a:p>
-          <a:p>
-            <a:r>
-              <a:rPr dirty="0"/>
-              <a:t>Finally, we cap storage with MAX_RECORD and MAX_LINE_LENGTH so we don’t overflow memory</a:t>
-            </a:r>
-          </a:p>
-          <a:p>
-            <a:r>
-              <a:rPr dirty="0"/>
-              <a:t>while parsing.</a:t>
-            </a:r>
-            <a:endParaRPr lang="en-US" dirty="0"/>
-          </a:p>
-          <a:p>
-            <a:pPr marL="0" marR="0" lvl="0" indent="0" algn="l" defTabSz="914400" rtl="0" eaLnBrk="1" fontAlgn="auto" latinLnBrk="0" hangingPunct="1">
-              <a:lnSpc>
-                <a:spcPct val="100000"/>
-              </a:lnSpc>
-              <a:spcBef>
-                <a:spcPts val="0"/>
-              </a:spcBef>
-              <a:spcAft>
-                <a:spcPts val="0"/>
-              </a:spcAft>
-              <a:buClrTx/>
-              <a:buSzTx/>
-              <a:buFontTx/>
-              <a:buNone/>
-              <a:tabLst/>
-              <a:defRPr/>
-            </a:pPr>
-            <a:r>
-              <a:rPr lang="en-US" dirty="0"/>
-              <a:t>(EXAMPLE , CAN REPLACE)</a:t>
+              <a:t>Lastly, we validate the result by running the same object file at multiple load addresses and comparing the outputs, so we can confirm the relocation is consistent and the program still behaves the same after being moved.</a:t>
             </a:r>
           </a:p>
         </p:txBody>
@@ -2063,37 +1492,7 @@
           <a:bodyPr/>
           <a:lstStyle/>
           <a:p>
-            <a:pPr marL="0" marR="0" lvl="0" indent="0" algn="r" defTabSz="914400" rtl="0" eaLnBrk="1" fontAlgn="auto" latinLnBrk="0" hangingPunct="1">
-              <a:lnSpc>
-                <a:spcPct val="100000"/>
-              </a:lnSpc>
-              <a:spcBef>
-                <a:spcPts val="0"/>
-              </a:spcBef>
-              <a:spcAft>
-                <a:spcPts val="0"/>
-              </a:spcAft>
-              <a:buClrTx/>
-              <a:buSzTx/>
-              <a:buFontTx/>
-              <a:buNone/>
-              <a:tabLst/>
-              <a:defRPr/>
-            </a:pPr>
-            <a:endParaRPr kumimoji="0" lang="en-US" sz="1200" b="0" i="0" u="none" strike="noStrike" kern="1200" cap="none" spc="0" normalizeH="0" baseline="0" noProof="0">
-              <a:ln>
-                <a:noFill/>
-              </a:ln>
-              <a:solidFill>
-                <a:prstClr val="black"/>
-              </a:solidFill>
-              <a:effectLst/>
-              <a:uLnTx/>
-              <a:uFillTx/>
-              <a:latin typeface="Calibri" panose="020F0502020204030204"/>
-              <a:ea typeface="+mn-ea"/>
-              <a:cs typeface="+mn-cs"/>
-            </a:endParaRPr>
+            <a:endParaRPr lang="en-US"/>
           </a:p>
         </p:txBody>
       </p:sp>
@@ -2157,58 +1556,8 @@
           <a:lstStyle/>
           <a:p>
             <a:r>
-              <a:rPr dirty="0"/>
-              <a:t>For testing, we split it into input validation and relocation accuracy checks.</a:t>
-            </a:r>
-          </a:p>
-          <a:p>
-            <a:r>
-              <a:rPr dirty="0"/>
-              <a:t>Validation: if the argument count is wrong, we print usage. If the machine type isn’t SIC or</a:t>
-            </a:r>
-          </a:p>
-          <a:p>
-            <a:r>
-              <a:rPr dirty="0"/>
-              <a:t>SICXE, it should be rejected.</a:t>
-            </a:r>
-          </a:p>
-          <a:p>
-            <a:r>
-              <a:rPr dirty="0"/>
-              <a:t>Then we do the </a:t>
-            </a:r>
-            <a:r>
               <a:rPr lang="en-US" dirty="0"/>
-              <a:t>zero-offset</a:t>
-            </a:r>
-            <a:r>
-              <a:rPr dirty="0"/>
-              <a:t> test: relocation to the same start address gives offset = 0, so</a:t>
-            </a:r>
-          </a:p>
-          <a:p>
-            <a:r>
-              <a:rPr dirty="0"/>
-              <a:t>output should match exactly.</a:t>
-            </a:r>
-          </a:p>
-          <a:p>
-            <a:r>
-              <a:rPr dirty="0"/>
-              <a:t>For a nonzero offset, we check that T record start addresses shift by the offset, and that</a:t>
-            </a:r>
-          </a:p>
-          <a:p>
-            <a:r>
-              <a:rPr lang="en-US" dirty="0"/>
-              <a:t>fields referenced by M records are updated.</a:t>
-            </a:r>
-          </a:p>
-          <a:p>
-            <a:r>
-              <a:rPr lang="en-US" dirty="0"/>
-              <a:t>(EXAMPLE , CAN REPLACE)</a:t>
+              <a:t>Before we transition into the live demonstration, are there any questions? </a:t>
             </a:r>
           </a:p>
         </p:txBody>
@@ -2425,7 +1774,7 @@
           <a:p>
             <a:fld id="{88D38747-4367-4BD2-8D51-C97E202738E2}" type="datetime1">
               <a:rPr lang="en-US" smtClean="0"/>
-              <a:t>11/30/2025</a:t>
+              <a:t>12/2/2025</a:t>
             </a:fld>
             <a:endParaRPr lang="en-US" dirty="0"/>
           </a:p>
@@ -2730,7 +2079,7 @@
           <a:p>
             <a:fld id="{11F1B079-7EF0-44EE-B798-BCC497C9F3B2}" type="datetime1">
               <a:rPr lang="en-US" smtClean="0"/>
-              <a:t>11/30/2025</a:t>
+              <a:t>12/2/2025</a:t>
             </a:fld>
             <a:endParaRPr lang="en-US" dirty="0"/>
           </a:p>
@@ -2924,7 +2273,7 @@
           <a:p>
             <a:fld id="{28FF70A8-1D13-4657-95F0-A9EA54967B8D}" type="datetime1">
               <a:rPr lang="en-US" smtClean="0"/>
-              <a:t>11/30/2025</a:t>
+              <a:t>12/2/2025</a:t>
             </a:fld>
             <a:endParaRPr lang="en-US" dirty="0"/>
           </a:p>
@@ -3187,7 +2536,7 @@
           <a:p>
             <a:fld id="{21EB90AC-71BD-4C7F-8ACA-7B3F18292E63}" type="datetime1">
               <a:rPr lang="en-US" smtClean="0"/>
-              <a:t>11/30/2025</a:t>
+              <a:t>12/2/2025</a:t>
             </a:fld>
             <a:endParaRPr lang="en-US" dirty="0"/>
           </a:p>
@@ -3623,7 +2972,7 @@
           <a:p>
             <a:fld id="{4E6EFC2C-8905-46F0-B443-CE905B76BA01}" type="datetime1">
               <a:rPr lang="en-US" smtClean="0"/>
-              <a:t>11/30/2025</a:t>
+              <a:t>12/2/2025</a:t>
             </a:fld>
             <a:endParaRPr lang="en-US" dirty="0"/>
           </a:p>
@@ -4160,7 +3509,7 @@
           <a:p>
             <a:fld id="{D9079DC3-C9B5-499E-9140-0DC28B7074E2}" type="datetime1">
               <a:rPr lang="en-US" smtClean="0"/>
-              <a:t>11/30/2025</a:t>
+              <a:t>12/2/2025</a:t>
             </a:fld>
             <a:endParaRPr lang="en-US" dirty="0"/>
           </a:p>
@@ -5042,7 +4391,7 @@
           <a:p>
             <a:fld id="{30BB33EA-E472-4D22-9C03-A9C14AA21CED}" type="datetime1">
               <a:rPr lang="en-US" smtClean="0"/>
-              <a:t>11/30/2025</a:t>
+              <a:t>12/2/2025</a:t>
             </a:fld>
             <a:endParaRPr lang="en-US" dirty="0"/>
           </a:p>
@@ -5212,7 +4561,7 @@
           <a:p>
             <a:fld id="{73C55A3C-5767-4844-A0A3-83778C2E5409}" type="datetime1">
               <a:rPr lang="en-US" smtClean="0"/>
-              <a:t>11/30/2025</a:t>
+              <a:t>12/2/2025</a:t>
             </a:fld>
             <a:endParaRPr lang="en-US" dirty="0"/>
           </a:p>
@@ -5456,7 +4805,7 @@
           <a:p>
             <a:fld id="{CAE507A8-A5CF-4D38-AB86-7EDDA87A85D4}" type="datetime1">
               <a:rPr lang="en-US" smtClean="0"/>
-              <a:t>11/30/2025</a:t>
+              <a:t>12/2/2025</a:t>
             </a:fld>
             <a:endParaRPr lang="en-US" dirty="0"/>
           </a:p>
@@ -5698,7 +5047,7 @@
           <a:p>
             <a:fld id="{BDFCD27C-8599-43EF-BA1D-14DDC1946E06}" type="datetime1">
               <a:rPr lang="en-US" smtClean="0"/>
-              <a:t>11/30/2025</a:t>
+              <a:t>12/2/2025</a:t>
             </a:fld>
             <a:endParaRPr lang="en-US" dirty="0"/>
           </a:p>
@@ -6181,7 +5530,7 @@
           <a:p>
             <a:fld id="{49343D99-809A-49C0-96E5-4250D0B498EE}" type="datetime1">
               <a:rPr lang="en-US" smtClean="0"/>
-              <a:t>11/30/2025</a:t>
+              <a:t>12/2/2025</a:t>
             </a:fld>
             <a:endParaRPr lang="en-US" dirty="0"/>
           </a:p>
@@ -6299,7 +5648,7 @@
           <a:p>
             <a:fld id="{A143DE9B-B678-4EFB-BB7D-A4370204A0B0}" type="datetime1">
               <a:rPr lang="en-US" smtClean="0"/>
-              <a:t>11/30/2025</a:t>
+              <a:t>12/2/2025</a:t>
             </a:fld>
             <a:endParaRPr lang="en-US" dirty="0"/>
           </a:p>
@@ -6394,7 +5743,7 @@
           <a:p>
             <a:fld id="{E68812DA-F765-4142-A6A3-A8ED7235E082}" type="datetime1">
               <a:rPr lang="en-US" smtClean="0"/>
-              <a:t>11/30/2025</a:t>
+              <a:t>12/2/2025</a:t>
             </a:fld>
             <a:endParaRPr lang="en-US" dirty="0"/>
           </a:p>
@@ -6649,7 +5998,7 @@
           <a:p>
             <a:fld id="{3E0277FD-7DE6-41D4-930D-AC99F5AFE54E}" type="datetime1">
               <a:rPr lang="en-US" smtClean="0"/>
-              <a:t>11/30/2025</a:t>
+              <a:t>12/2/2025</a:t>
             </a:fld>
             <a:endParaRPr lang="en-US" dirty="0"/>
           </a:p>
@@ -6956,7 +6305,7 @@
           <a:p>
             <a:fld id="{9EA15526-7079-4B7B-987C-1B5FAE11A0FF}" type="datetime1">
               <a:rPr lang="en-US" smtClean="0"/>
-              <a:t>11/30/2025</a:t>
+              <a:t>12/2/2025</a:t>
             </a:fld>
             <a:endParaRPr lang="en-US" dirty="0"/>
           </a:p>
@@ -7191,7 +6540,7 @@
           <a:p>
             <a:fld id="{073ED0CC-082F-4160-86E5-0D6041F12778}" type="datetime1">
               <a:rPr lang="en-US" smtClean="0"/>
-              <a:t>11/30/2025</a:t>
+              <a:t>12/2/2025</a:t>
             </a:fld>
             <a:endParaRPr lang="en-US" dirty="0"/>
           </a:p>
@@ -7979,38 +7328,42 @@
           <a:p>
             <a:pPr algn="l"/>
             <a:r>
-              <a:rPr lang="en-US" sz="4200" b="1" dirty="0">
+              <a:rPr lang="en-US" sz="4200" b="1">
                 <a:latin typeface="Times New Roman" panose="02020603050405020304" pitchFamily="18" charset="0"/>
                 <a:cs typeface="Times New Roman" panose="02020603050405020304" pitchFamily="18" charset="0"/>
               </a:rPr>
               <a:t>Systems Programming</a:t>
             </a:r>
             <a:br>
-              <a:rPr lang="en-US" sz="4200" b="1" dirty="0">
+              <a:rPr lang="en-US" sz="4200" b="1">
                 <a:latin typeface="Times New Roman" panose="02020603050405020304" pitchFamily="18" charset="0"/>
                 <a:cs typeface="Times New Roman" panose="02020603050405020304" pitchFamily="18" charset="0"/>
               </a:rPr>
             </a:br>
             <a:r>
-              <a:rPr lang="en-US" sz="4200" b="1" dirty="0">
+              <a:rPr lang="en-US" sz="4200" b="1">
                 <a:latin typeface="Times New Roman" panose="02020603050405020304" pitchFamily="18" charset="0"/>
                 <a:cs typeface="Times New Roman" panose="02020603050405020304" pitchFamily="18" charset="0"/>
               </a:rPr>
               <a:t>Project 4:</a:t>
             </a:r>
             <a:br>
-              <a:rPr lang="en-US" sz="4200" b="1" dirty="0">
+              <a:rPr lang="en-US" sz="4200" b="1">
                 <a:latin typeface="Times New Roman" panose="02020603050405020304" pitchFamily="18" charset="0"/>
                 <a:cs typeface="Times New Roman" panose="02020603050405020304" pitchFamily="18" charset="0"/>
               </a:rPr>
             </a:br>
             <a:r>
-              <a:rPr lang="en-US" sz="4200" b="1" dirty="0">
+              <a:rPr lang="en-US" sz="4200" b="1">
                 <a:latin typeface="Times New Roman" panose="02020603050405020304" pitchFamily="18" charset="0"/>
                 <a:cs typeface="Times New Roman" panose="02020603050405020304" pitchFamily="18" charset="0"/>
               </a:rPr>
               <a:t>Relocating Loader</a:t>
             </a:r>
+            <a:endParaRPr lang="en-US" sz="4200" b="1" dirty="0">
+              <a:latin typeface="Times New Roman" panose="02020603050405020304" pitchFamily="18" charset="0"/>
+              <a:cs typeface="Times New Roman" panose="02020603050405020304" pitchFamily="18" charset="0"/>
+            </a:endParaRPr>
           </a:p>
         </p:txBody>
       </p:sp>
@@ -8048,7 +7401,7 @@
               </a:lnSpc>
             </a:pPr>
             <a:r>
-              <a:rPr lang="en-US" sz="2400" dirty="0">
+              <a:rPr lang="en-US" sz="2800">
                 <a:latin typeface="Times New Roman" panose="02020603050405020304" pitchFamily="18" charset="0"/>
                 <a:cs typeface="Times New Roman" panose="02020603050405020304" pitchFamily="18" charset="0"/>
               </a:rPr>
@@ -8062,7 +7415,7 @@
               </a:lnSpc>
             </a:pPr>
             <a:r>
-              <a:rPr lang="en-US" sz="2400" dirty="0">
+              <a:rPr lang="en-US" sz="2800">
                 <a:latin typeface="Times New Roman" panose="02020603050405020304" pitchFamily="18" charset="0"/>
                 <a:cs typeface="Times New Roman" panose="02020603050405020304" pitchFamily="18" charset="0"/>
               </a:rPr>
@@ -8076,7 +7429,7 @@
               </a:lnSpc>
             </a:pPr>
             <a:r>
-              <a:rPr lang="en-US" sz="2400" dirty="0">
+              <a:rPr lang="en-US" sz="2800">
                 <a:latin typeface="Times New Roman" panose="02020603050405020304" pitchFamily="18" charset="0"/>
                 <a:cs typeface="Times New Roman" panose="02020603050405020304" pitchFamily="18" charset="0"/>
               </a:rPr>
@@ -8090,12 +7443,16 @@
               </a:lnSpc>
             </a:pPr>
             <a:r>
-              <a:rPr lang="en-US" sz="2400" dirty="0">
+              <a:rPr lang="en-US" sz="2800">
                 <a:latin typeface="Times New Roman" panose="02020603050405020304" pitchFamily="18" charset="0"/>
                 <a:cs typeface="Times New Roman" panose="02020603050405020304" pitchFamily="18" charset="0"/>
               </a:rPr>
               <a:t>Zinah Shain</a:t>
             </a:r>
+            <a:endParaRPr lang="en-US" sz="2800" dirty="0">
+              <a:latin typeface="Times New Roman" panose="02020603050405020304" pitchFamily="18" charset="0"/>
+              <a:cs typeface="Times New Roman" panose="02020603050405020304" pitchFamily="18" charset="0"/>
+            </a:endParaRPr>
           </a:p>
         </p:txBody>
       </p:sp>
@@ -8143,363 +7500,6 @@
     <p:extLst>
       <p:ext uri="{BB962C8B-B14F-4D97-AF65-F5344CB8AC3E}">
         <p14:creationId xmlns:p14="http://schemas.microsoft.com/office/powerpoint/2010/main" val="4167884232"/>
-      </p:ext>
-    </p:extLst>
-  </p:cSld>
-  <p:clrMapOvr>
-    <a:masterClrMapping/>
-  </p:clrMapOvr>
-</p:sld>
-</file>
-
-<file path=ppt/slides/slide10.xml><?xml version="1.0" encoding="utf-8"?>
-<p:sld xmlns:a="http://schemas.openxmlformats.org/drawingml/2006/main" xmlns:r="http://schemas.openxmlformats.org/officeDocument/2006/relationships" xmlns:p="http://schemas.openxmlformats.org/presentationml/2006/main">
-  <p:cSld>
-    <p:spTree>
-      <p:nvGrpSpPr>
-        <p:cNvPr id="1" name=""/>
-        <p:cNvGrpSpPr/>
-        <p:nvPr/>
-      </p:nvGrpSpPr>
-      <p:grpSpPr>
-        <a:xfrm>
-          <a:off x="0" y="0"/>
-          <a:ext cx="0" cy="0"/>
-          <a:chOff x="0" y="0"/>
-          <a:chExt cx="0" cy="0"/>
-        </a:xfrm>
-      </p:grpSpPr>
-      <p:sp>
-        <p:nvSpPr>
-          <p:cNvPr id="2" name="Title 1">
-            <a:extLst>
-              <a:ext uri="{FF2B5EF4-FFF2-40B4-BE49-F238E27FC236}">
-                <a16:creationId xmlns:a16="http://schemas.microsoft.com/office/drawing/2014/main" id="{A48DDDA6-C5A6-3B56-0713-1DB1B87B3B21}"/>
-              </a:ext>
-            </a:extLst>
-          </p:cNvPr>
-          <p:cNvSpPr>
-            <a:spLocks noGrp="1"/>
-          </p:cNvSpPr>
-          <p:nvPr>
-            <p:ph type="title"/>
-          </p:nvPr>
-        </p:nvSpPr>
-        <p:spPr/>
-        <p:txBody>
-          <a:bodyPr/>
-          <a:lstStyle/>
-          <a:p>
-            <a:r>
-              <a:rPr lang="en-US" dirty="0">
-                <a:latin typeface="Times New Roman" panose="02020603050405020304" pitchFamily="18" charset="0"/>
-                <a:cs typeface="Times New Roman" panose="02020603050405020304" pitchFamily="18" charset="0"/>
-              </a:rPr>
-              <a:t>Our Solutions</a:t>
-            </a:r>
-          </a:p>
-        </p:txBody>
-      </p:sp>
-      <p:sp>
-        <p:nvSpPr>
-          <p:cNvPr id="3" name="Content Placeholder 2">
-            <a:extLst>
-              <a:ext uri="{FF2B5EF4-FFF2-40B4-BE49-F238E27FC236}">
-                <a16:creationId xmlns:a16="http://schemas.microsoft.com/office/drawing/2014/main" id="{9F1B4A56-386B-B421-C02D-D555376C31D7}"/>
-              </a:ext>
-            </a:extLst>
-          </p:cNvPr>
-          <p:cNvSpPr>
-            <a:spLocks noGrp="1"/>
-          </p:cNvSpPr>
-          <p:nvPr>
-            <p:ph idx="1"/>
-          </p:nvPr>
-        </p:nvSpPr>
-        <p:spPr/>
-        <p:txBody>
-          <a:bodyPr/>
-          <a:lstStyle/>
-          <a:p>
-            <a:pPr>
-              <a:buFont typeface="Wingdings" panose="05000000000000000000" pitchFamily="2" charset="2"/>
-              <a:buChar char="Ø"/>
-              <a:defRPr sz="2400"/>
-            </a:pPr>
-            <a:r>
-              <a:rPr dirty="0">
-                <a:latin typeface="Times New Roman" panose="02020603050405020304" pitchFamily="18" charset="0"/>
-                <a:cs typeface="Times New Roman" panose="02020603050405020304" pitchFamily="18" charset="0"/>
-              </a:rPr>
-              <a:t>We modify only the fields that need relocation.</a:t>
-            </a:r>
-            <a:endParaRPr lang="en-US" dirty="0">
-              <a:latin typeface="Times New Roman" panose="02020603050405020304" pitchFamily="18" charset="0"/>
-              <a:cs typeface="Times New Roman" panose="02020603050405020304" pitchFamily="18" charset="0"/>
-            </a:endParaRPr>
-          </a:p>
-          <a:p>
-            <a:pPr>
-              <a:buFont typeface="Wingdings" panose="05000000000000000000" pitchFamily="2" charset="2"/>
-              <a:buChar char="Ø"/>
-              <a:defRPr sz="2400"/>
-            </a:pPr>
-            <a:r>
-              <a:rPr dirty="0">
-                <a:latin typeface="Times New Roman" panose="02020603050405020304" pitchFamily="18" charset="0"/>
-                <a:cs typeface="Times New Roman" panose="02020603050405020304" pitchFamily="18" charset="0"/>
-              </a:rPr>
-              <a:t>TextRecord stores: start_address, length, and the raw object_code string for each T record.</a:t>
-            </a:r>
-          </a:p>
-          <a:p>
-            <a:pPr>
-              <a:buFont typeface="Wingdings" panose="05000000000000000000" pitchFamily="2" charset="2"/>
-              <a:buChar char="Ø"/>
-              <a:defRPr sz="2400"/>
-            </a:pPr>
-            <a:r>
-              <a:rPr dirty="0">
-                <a:latin typeface="Times New Roman" panose="02020603050405020304" pitchFamily="18" charset="0"/>
-                <a:cs typeface="Times New Roman" panose="02020603050405020304" pitchFamily="18" charset="0"/>
-              </a:rPr>
-              <a:t>ModRecord stores: address + length for each relocation patch location.</a:t>
-            </a:r>
-          </a:p>
-          <a:p>
-            <a:pPr>
-              <a:buFont typeface="Wingdings" panose="05000000000000000000" pitchFamily="2" charset="2"/>
-              <a:buChar char="Ø"/>
-              <a:defRPr sz="2400"/>
-            </a:pPr>
-            <a:r>
-              <a:rPr dirty="0">
-                <a:latin typeface="Times New Roman" panose="02020603050405020304" pitchFamily="18" charset="0"/>
-                <a:cs typeface="Times New Roman" panose="02020603050405020304" pitchFamily="18" charset="0"/>
-              </a:rPr>
-              <a:t>relocate_and_print() is where relocation + relocated output printing is handled.</a:t>
-            </a:r>
-          </a:p>
-        </p:txBody>
-      </p:sp>
-    </p:spTree>
-    <p:extLst>
-      <p:ext uri="{BB962C8B-B14F-4D97-AF65-F5344CB8AC3E}">
-        <p14:creationId xmlns:p14="http://schemas.microsoft.com/office/powerpoint/2010/main" val="3645116029"/>
-      </p:ext>
-    </p:extLst>
-  </p:cSld>
-  <p:clrMapOvr>
-    <a:masterClrMapping/>
-  </p:clrMapOvr>
-</p:sld>
-</file>
-
-<file path=ppt/slides/slide11.xml><?xml version="1.0" encoding="utf-8"?>
-<p:sld xmlns:a="http://schemas.openxmlformats.org/drawingml/2006/main" xmlns:r="http://schemas.openxmlformats.org/officeDocument/2006/relationships" xmlns:p="http://schemas.openxmlformats.org/presentationml/2006/main">
-  <p:cSld>
-    <p:spTree>
-      <p:nvGrpSpPr>
-        <p:cNvPr id="1" name=""/>
-        <p:cNvGrpSpPr/>
-        <p:nvPr/>
-      </p:nvGrpSpPr>
-      <p:grpSpPr>
-        <a:xfrm>
-          <a:off x="0" y="0"/>
-          <a:ext cx="0" cy="0"/>
-          <a:chOff x="0" y="0"/>
-          <a:chExt cx="0" cy="0"/>
-        </a:xfrm>
-      </p:grpSpPr>
-      <p:sp>
-        <p:nvSpPr>
-          <p:cNvPr id="2" name="Title 1">
-            <a:extLst>
-              <a:ext uri="{FF2B5EF4-FFF2-40B4-BE49-F238E27FC236}">
-                <a16:creationId xmlns:a16="http://schemas.microsoft.com/office/drawing/2014/main" id="{1A668158-70DE-9861-11AF-5AC8A2C17C16}"/>
-              </a:ext>
-            </a:extLst>
-          </p:cNvPr>
-          <p:cNvSpPr>
-            <a:spLocks noGrp="1"/>
-          </p:cNvSpPr>
-          <p:nvPr>
-            <p:ph type="title"/>
-          </p:nvPr>
-        </p:nvSpPr>
-        <p:spPr/>
-        <p:txBody>
-          <a:bodyPr/>
-          <a:lstStyle/>
-          <a:p>
-            <a:r>
-              <a:rPr lang="en-US" dirty="0">
-                <a:latin typeface="Times New Roman" panose="02020603050405020304" pitchFamily="18" charset="0"/>
-                <a:cs typeface="Times New Roman" panose="02020603050405020304" pitchFamily="18" charset="0"/>
-              </a:rPr>
-              <a:t>Solutions Cont’d</a:t>
-            </a:r>
-          </a:p>
-        </p:txBody>
-      </p:sp>
-      <p:sp>
-        <p:nvSpPr>
-          <p:cNvPr id="3" name="Content Placeholder 2">
-            <a:extLst>
-              <a:ext uri="{FF2B5EF4-FFF2-40B4-BE49-F238E27FC236}">
-                <a16:creationId xmlns:a16="http://schemas.microsoft.com/office/drawing/2014/main" id="{E6EBF266-1112-0EB1-6A43-478F793D13FD}"/>
-              </a:ext>
-            </a:extLst>
-          </p:cNvPr>
-          <p:cNvSpPr>
-            <a:spLocks noGrp="1"/>
-          </p:cNvSpPr>
-          <p:nvPr>
-            <p:ph idx="1"/>
-          </p:nvPr>
-        </p:nvSpPr>
-        <p:spPr/>
-        <p:txBody>
-          <a:bodyPr/>
-          <a:lstStyle/>
-          <a:p>
-            <a:pPr>
-              <a:buFont typeface="Wingdings" panose="05000000000000000000" pitchFamily="2" charset="2"/>
-              <a:buChar char="Ø"/>
-              <a:defRPr sz="2400"/>
-            </a:pPr>
-            <a:r>
-              <a:rPr lang="en-US" dirty="0">
-                <a:latin typeface="Times New Roman" panose="02020603050405020304" pitchFamily="18" charset="0"/>
-                <a:cs typeface="Times New Roman" panose="02020603050405020304" pitchFamily="18" charset="0"/>
-              </a:rPr>
-              <a:t>Compute an </a:t>
-            </a:r>
-            <a:r>
-              <a:rPr dirty="0">
-                <a:latin typeface="Times New Roman" panose="02020603050405020304" pitchFamily="18" charset="0"/>
-                <a:cs typeface="Times New Roman" panose="02020603050405020304" pitchFamily="18" charset="0"/>
-              </a:rPr>
-              <a:t>absolute relocation offset based on the new load address (START) chosen at load time.</a:t>
-            </a:r>
-            <a:endParaRPr lang="en-US" dirty="0">
-              <a:latin typeface="Times New Roman" panose="02020603050405020304" pitchFamily="18" charset="0"/>
-              <a:cs typeface="Times New Roman" panose="02020603050405020304" pitchFamily="18" charset="0"/>
-            </a:endParaRPr>
-          </a:p>
-          <a:p>
-            <a:pPr>
-              <a:buFont typeface="Wingdings" panose="05000000000000000000" pitchFamily="2" charset="2"/>
-              <a:buChar char="Ø"/>
-              <a:defRPr sz="2400"/>
-            </a:pPr>
-            <a:r>
-              <a:rPr dirty="0">
-                <a:latin typeface="Times New Roman" panose="02020603050405020304" pitchFamily="18" charset="0"/>
-                <a:cs typeface="Times New Roman" panose="02020603050405020304" pitchFamily="18" charset="0"/>
-              </a:rPr>
-              <a:t>Update position-dependent addresses (T record start addresses) for the new memory location.</a:t>
-            </a:r>
-          </a:p>
-          <a:p>
-            <a:pPr>
-              <a:buFont typeface="Wingdings" panose="05000000000000000000" pitchFamily="2" charset="2"/>
-              <a:buChar char="Ø"/>
-              <a:defRPr sz="2400"/>
-            </a:pPr>
-            <a:r>
-              <a:rPr dirty="0">
-                <a:latin typeface="Times New Roman" panose="02020603050405020304" pitchFamily="18" charset="0"/>
-                <a:cs typeface="Times New Roman" panose="02020603050405020304" pitchFamily="18" charset="0"/>
-              </a:rPr>
-              <a:t>Patch only the operand fields specified by each modification record.</a:t>
-            </a:r>
-          </a:p>
-        </p:txBody>
-      </p:sp>
-    </p:spTree>
-    <p:extLst>
-      <p:ext uri="{BB962C8B-B14F-4D97-AF65-F5344CB8AC3E}">
-        <p14:creationId xmlns:p14="http://schemas.microsoft.com/office/powerpoint/2010/main" val="3938456389"/>
-      </p:ext>
-    </p:extLst>
-  </p:cSld>
-  <p:clrMapOvr>
-    <a:masterClrMapping/>
-  </p:clrMapOvr>
-</p:sld>
-</file>
-
-<file path=ppt/slides/slide12.xml><?xml version="1.0" encoding="utf-8"?>
-<p:sld xmlns:a="http://schemas.openxmlformats.org/drawingml/2006/main" xmlns:r="http://schemas.openxmlformats.org/officeDocument/2006/relationships" xmlns:p="http://schemas.openxmlformats.org/presentationml/2006/main">
-  <p:cSld>
-    <p:spTree>
-      <p:nvGrpSpPr>
-        <p:cNvPr id="1" name=""/>
-        <p:cNvGrpSpPr/>
-        <p:nvPr/>
-      </p:nvGrpSpPr>
-      <p:grpSpPr>
-        <a:xfrm>
-          <a:off x="0" y="0"/>
-          <a:ext cx="0" cy="0"/>
-          <a:chOff x="0" y="0"/>
-          <a:chExt cx="0" cy="0"/>
-        </a:xfrm>
-      </p:grpSpPr>
-      <p:sp>
-        <p:nvSpPr>
-          <p:cNvPr id="2" name="Title 1">
-            <a:extLst>
-              <a:ext uri="{FF2B5EF4-FFF2-40B4-BE49-F238E27FC236}">
-                <a16:creationId xmlns:a16="http://schemas.microsoft.com/office/drawing/2014/main" id="{CEBC66F1-0EDF-55ED-2C0B-96D13B2B6BFD}"/>
-              </a:ext>
-            </a:extLst>
-          </p:cNvPr>
-          <p:cNvSpPr>
-            <a:spLocks noGrp="1"/>
-          </p:cNvSpPr>
-          <p:nvPr>
-            <p:ph type="title"/>
-          </p:nvPr>
-        </p:nvSpPr>
-        <p:spPr>
-          <a:xfrm>
-            <a:off x="919119" y="2744972"/>
-            <a:ext cx="10353762" cy="1368056"/>
-          </a:xfrm>
-        </p:spPr>
-        <p:txBody>
-          <a:bodyPr>
-            <a:normAutofit/>
-          </a:bodyPr>
-          <a:lstStyle/>
-          <a:p>
-            <a:r>
-              <a:rPr lang="en-US" dirty="0">
-                <a:latin typeface="Times New Roman" panose="02020603050405020304" pitchFamily="18" charset="0"/>
-                <a:cs typeface="Times New Roman" panose="02020603050405020304" pitchFamily="18" charset="0"/>
-              </a:rPr>
-              <a:t>Now onto the demonstration</a:t>
-            </a:r>
-            <a:br>
-              <a:rPr lang="en-US" dirty="0">
-                <a:latin typeface="Times New Roman" panose="02020603050405020304" pitchFamily="18" charset="0"/>
-                <a:cs typeface="Times New Roman" panose="02020603050405020304" pitchFamily="18" charset="0"/>
-              </a:rPr>
-            </a:br>
-            <a:endParaRPr lang="en-US" dirty="0">
-              <a:latin typeface="Times New Roman" panose="02020603050405020304" pitchFamily="18" charset="0"/>
-              <a:cs typeface="Times New Roman" panose="02020603050405020304" pitchFamily="18" charset="0"/>
-            </a:endParaRPr>
-          </a:p>
-        </p:txBody>
-      </p:sp>
-    </p:spTree>
-    <p:extLst>
-      <p:ext uri="{BB962C8B-B14F-4D97-AF65-F5344CB8AC3E}">
-        <p14:creationId xmlns:p14="http://schemas.microsoft.com/office/powerpoint/2010/main" val="66239278"/>
       </p:ext>
     </p:extLst>
   </p:cSld>
@@ -8604,7 +7604,7 @@
           <a:lstStyle/>
           <a:p>
             <a:r>
-              <a:rPr lang="en-US" dirty="0">
+              <a:rPr lang="en-US" sz="4800" dirty="0">
                 <a:latin typeface="Times New Roman" panose="02020603050405020304" pitchFamily="18" charset="0"/>
                 <a:cs typeface="Times New Roman" panose="02020603050405020304" pitchFamily="18" charset="0"/>
               </a:rPr>
@@ -8641,7 +7641,7 @@
         </p:spPr>
         <p:txBody>
           <a:bodyPr anchor="ctr">
-            <a:normAutofit/>
+            <a:noAutofit/>
           </a:bodyPr>
           <a:lstStyle/>
           <a:p>
@@ -8651,13 +7651,13 @@
               <a:defRPr sz="2800"/>
             </a:pPr>
             <a:r>
-              <a:rPr dirty="0">
+              <a:rPr sz="3600" dirty="0">
                 <a:latin typeface="Times New Roman" panose="02020603050405020304" pitchFamily="18" charset="0"/>
                 <a:cs typeface="Times New Roman" panose="02020603050405020304" pitchFamily="18" charset="0"/>
               </a:rPr>
               <a:t>Introduction</a:t>
             </a:r>
-            <a:endParaRPr lang="en-US" dirty="0">
+            <a:endParaRPr lang="en-US" sz="3600" dirty="0">
               <a:latin typeface="Times New Roman" panose="02020603050405020304" pitchFamily="18" charset="0"/>
               <a:cs typeface="Times New Roman" panose="02020603050405020304" pitchFamily="18" charset="0"/>
             </a:endParaRPr>
@@ -8669,13 +7669,13 @@
               <a:defRPr sz="2800"/>
             </a:pPr>
             <a:r>
-              <a:rPr sz="2800" dirty="0">
+              <a:rPr sz="3600" dirty="0">
                 <a:latin typeface="Times New Roman" panose="02020603050405020304" pitchFamily="18" charset="0"/>
                 <a:cs typeface="Times New Roman" panose="02020603050405020304" pitchFamily="18" charset="0"/>
               </a:rPr>
               <a:t>Implementation</a:t>
             </a:r>
-            <a:endParaRPr lang="en-US" sz="2800" dirty="0">
+            <a:endParaRPr lang="en-US" sz="3600" dirty="0">
               <a:latin typeface="Times New Roman" panose="02020603050405020304" pitchFamily="18" charset="0"/>
               <a:cs typeface="Times New Roman" panose="02020603050405020304" pitchFamily="18" charset="0"/>
             </a:endParaRPr>
@@ -8687,13 +7687,13 @@
               <a:defRPr sz="2800"/>
             </a:pPr>
             <a:r>
-              <a:rPr sz="2800" dirty="0">
+              <a:rPr sz="3600" dirty="0">
                 <a:latin typeface="Times New Roman" panose="02020603050405020304" pitchFamily="18" charset="0"/>
                 <a:cs typeface="Times New Roman" panose="02020603050405020304" pitchFamily="18" charset="0"/>
               </a:rPr>
               <a:t>Challenges we faced </a:t>
             </a:r>
-            <a:endParaRPr lang="en-US" sz="2800" dirty="0">
+            <a:endParaRPr lang="en-US" sz="3600" dirty="0">
               <a:latin typeface="Times New Roman" panose="02020603050405020304" pitchFamily="18" charset="0"/>
               <a:cs typeface="Times New Roman" panose="02020603050405020304" pitchFamily="18" charset="0"/>
             </a:endParaRPr>
@@ -8705,11 +7705,11 @@
               <a:defRPr sz="2800"/>
             </a:pPr>
             <a:r>
-              <a:rPr sz="2800" dirty="0">
+              <a:rPr sz="3600" dirty="0">
                 <a:latin typeface="Times New Roman" panose="02020603050405020304" pitchFamily="18" charset="0"/>
                 <a:cs typeface="Times New Roman" panose="02020603050405020304" pitchFamily="18" charset="0"/>
               </a:rPr>
-              <a:t>Testing plan</a:t>
+              <a:t>Testing</a:t>
             </a:r>
           </a:p>
           <a:p>
@@ -8719,13 +7719,13 @@
               <a:defRPr sz="2800"/>
             </a:pPr>
             <a:r>
-              <a:rPr sz="2800" dirty="0">
+              <a:rPr sz="3600" dirty="0">
                 <a:latin typeface="Times New Roman" panose="02020603050405020304" pitchFamily="18" charset="0"/>
                 <a:cs typeface="Times New Roman" panose="02020603050405020304" pitchFamily="18" charset="0"/>
               </a:rPr>
               <a:t>Our solutions</a:t>
             </a:r>
-            <a:endParaRPr lang="en-US" sz="2800" dirty="0">
+            <a:endParaRPr lang="en-US" sz="3600" dirty="0">
               <a:latin typeface="Times New Roman" panose="02020603050405020304" pitchFamily="18" charset="0"/>
               <a:cs typeface="Times New Roman" panose="02020603050405020304" pitchFamily="18" charset="0"/>
             </a:endParaRPr>
@@ -8784,16 +7784,12 @@
           <a:lstStyle/>
           <a:p>
             <a:r>
-              <a:rPr lang="en-US">
+              <a:rPr lang="en-US" dirty="0">
                 <a:latin typeface="Times New Roman" panose="02020603050405020304" pitchFamily="18" charset="0"/>
                 <a:cs typeface="Times New Roman" panose="02020603050405020304" pitchFamily="18" charset="0"/>
               </a:rPr>
               <a:t>Introduction</a:t>
             </a:r>
-            <a:endParaRPr lang="en-US" dirty="0">
-              <a:latin typeface="Times New Roman" panose="02020603050405020304" pitchFamily="18" charset="0"/>
-              <a:cs typeface="Times New Roman" panose="02020603050405020304" pitchFamily="18" charset="0"/>
-            </a:endParaRPr>
           </a:p>
         </p:txBody>
       </p:sp>
@@ -8821,7 +7817,7 @@
         </p:spPr>
         <p:txBody>
           <a:bodyPr>
-            <a:normAutofit/>
+            <a:noAutofit/>
           </a:bodyPr>
           <a:lstStyle/>
           <a:p>
@@ -8831,7 +7827,7 @@
               <a:defRPr sz="2400"/>
             </a:pPr>
             <a:r>
-              <a:rPr lang="en-US" dirty="0">
+              <a:rPr lang="en-US" sz="2800" dirty="0">
                 <a:latin typeface="Times New Roman" panose="02020603050405020304" pitchFamily="18" charset="0"/>
                 <a:cs typeface="Times New Roman" panose="02020603050405020304" pitchFamily="18" charset="0"/>
               </a:rPr>
@@ -8845,7 +7841,7 @@
               <a:defRPr sz="2400"/>
             </a:pPr>
             <a:r>
-              <a:rPr lang="en-US" dirty="0">
+              <a:rPr lang="en-US" sz="2800" dirty="0">
                 <a:latin typeface="Times New Roman" panose="02020603050405020304" pitchFamily="18" charset="0"/>
                 <a:cs typeface="Times New Roman" panose="02020603050405020304" pitchFamily="18" charset="0"/>
               </a:rPr>
@@ -8859,7 +7855,7 @@
               <a:defRPr sz="2400"/>
             </a:pPr>
             <a:r>
-              <a:rPr lang="en-US" dirty="0">
+              <a:rPr lang="en-US" sz="2800" dirty="0">
                 <a:latin typeface="Times New Roman" panose="02020603050405020304" pitchFamily="18" charset="0"/>
                 <a:cs typeface="Times New Roman" panose="02020603050405020304" pitchFamily="18" charset="0"/>
               </a:rPr>
@@ -8873,7 +7869,7 @@
               <a:defRPr sz="2400"/>
             </a:pPr>
             <a:r>
-              <a:rPr lang="en-US" dirty="0">
+              <a:rPr lang="en-US" sz="2800" dirty="0">
                 <a:latin typeface="Times New Roman" panose="02020603050405020304" pitchFamily="18" charset="0"/>
                 <a:cs typeface="Times New Roman" panose="02020603050405020304" pitchFamily="18" charset="0"/>
               </a:rPr>
@@ -8887,7 +7883,7 @@
               <a:defRPr sz="2400"/>
             </a:pPr>
             <a:r>
-              <a:rPr lang="en-US" dirty="0">
+              <a:rPr lang="en-US" sz="2800" dirty="0">
                 <a:latin typeface="Times New Roman" panose="02020603050405020304" pitchFamily="18" charset="0"/>
                 <a:cs typeface="Times New Roman" panose="02020603050405020304" pitchFamily="18" charset="0"/>
               </a:rPr>
@@ -8900,7 +7896,7 @@
               <a:buChar char="Ø"/>
               <a:defRPr sz="2400"/>
             </a:pPr>
-            <a:endParaRPr lang="en-US" dirty="0">
+            <a:endParaRPr lang="en-US" sz="2800" dirty="0">
               <a:latin typeface="Times New Roman" panose="02020603050405020304" pitchFamily="18" charset="0"/>
               <a:cs typeface="Times New Roman" panose="02020603050405020304" pitchFamily="18" charset="0"/>
             </a:endParaRPr>
@@ -8912,7 +7908,7 @@
               <a:defRPr sz="2400"/>
             </a:pPr>
             <a:r>
-              <a:rPr lang="en-US" dirty="0">
+              <a:rPr lang="en-US" sz="2800" dirty="0">
                 <a:latin typeface="Times New Roman" panose="02020603050405020304" pitchFamily="18" charset="0"/>
                 <a:cs typeface="Times New Roman" panose="02020603050405020304" pitchFamily="18" charset="0"/>
               </a:rPr>
@@ -8967,7 +7963,12 @@
             <p:ph type="title"/>
           </p:nvPr>
         </p:nvSpPr>
-        <p:spPr/>
+        <p:spPr>
+          <a:xfrm>
+            <a:off x="919119" y="375684"/>
+            <a:ext cx="10353762" cy="815163"/>
+          </a:xfrm>
+        </p:spPr>
         <p:txBody>
           <a:bodyPr/>
           <a:lstStyle/>
@@ -9002,10 +8003,15 @@
             <p:ph idx="1"/>
           </p:nvPr>
         </p:nvSpPr>
-        <p:spPr/>
+        <p:spPr>
+          <a:xfrm>
+            <a:off x="913795" y="1360967"/>
+            <a:ext cx="10353762" cy="4827181"/>
+          </a:xfrm>
+        </p:spPr>
         <p:txBody>
           <a:bodyPr>
-            <a:normAutofit lnSpcReduction="10000"/>
+            <a:noAutofit/>
           </a:bodyPr>
           <a:lstStyle/>
           <a:p>
@@ -9015,18 +8021,11 @@
               <a:defRPr sz="2400"/>
             </a:pPr>
             <a:r>
-              <a:rPr dirty="0">
+              <a:rPr sz="2800" dirty="0">
                 <a:latin typeface="Times New Roman" panose="02020603050405020304" pitchFamily="18" charset="0"/>
                 <a:cs typeface="Times New Roman" panose="02020603050405020304" pitchFamily="18" charset="0"/>
               </a:rPr>
-              <a:t>Command-line inputs: &lt;object_file&gt; &lt;relocation_address (hex)&gt; &lt;machine_type (SIC/SICXE)&gt;.</a:t>
-            </a:r>
-            <a:r>
-              <a:rPr lang="en-US" dirty="0">
-                <a:latin typeface="Times New Roman" panose="02020603050405020304" pitchFamily="18" charset="0"/>
-                <a:cs typeface="Times New Roman" panose="02020603050405020304" pitchFamily="18" charset="0"/>
-              </a:rPr>
-              <a:t> </a:t>
+              <a:t>We start with a SIC object file that was assembled for an original start address.</a:t>
             </a:r>
           </a:p>
           <a:p>
@@ -9036,11 +8035,11 @@
               <a:defRPr sz="2400"/>
             </a:pPr>
             <a:r>
-              <a:rPr dirty="0">
+              <a:rPr sz="2800" dirty="0">
                 <a:latin typeface="Times New Roman" panose="02020603050405020304" pitchFamily="18" charset="0"/>
                 <a:cs typeface="Times New Roman" panose="02020603050405020304" pitchFamily="18" charset="0"/>
               </a:rPr>
-              <a:t>relocation_address is converted from hex using strtol(..., 16); the object file is opened for reading.</a:t>
+              <a:t>The user provides a new load address and selects SIC or SICXE mode.</a:t>
             </a:r>
           </a:p>
           <a:p>
@@ -9050,11 +8049,11 @@
               <a:defRPr sz="2400"/>
             </a:pPr>
             <a:r>
-              <a:rPr dirty="0">
+              <a:rPr sz="2800" dirty="0">
                 <a:latin typeface="Times New Roman" panose="02020603050405020304" pitchFamily="18" charset="0"/>
                 <a:cs typeface="Times New Roman" panose="02020603050405020304" pitchFamily="18" charset="0"/>
               </a:rPr>
-              <a:t>Parsed records are stored into arrays of TextRecord (T records) and ModRecord (M records).</a:t>
+              <a:t>We calculate how far the program needs to move (the relocation offset).</a:t>
             </a:r>
           </a:p>
           <a:p>
@@ -9064,11 +8063,11 @@
               <a:defRPr sz="2400"/>
             </a:pPr>
             <a:r>
-              <a:rPr dirty="0">
+              <a:rPr sz="2800" dirty="0">
                 <a:latin typeface="Times New Roman" panose="02020603050405020304" pitchFamily="18" charset="0"/>
                 <a:cs typeface="Times New Roman" panose="02020603050405020304" pitchFamily="18" charset="0"/>
               </a:rPr>
-              <a:t>Core functions: parse_object_file() (parsing) and relocate_and_print() (relocation + output).</a:t>
+              <a:t>We apply that shift and print the updated object program to the screen.</a:t>
             </a:r>
           </a:p>
         </p:txBody>
@@ -9108,7 +8107,7 @@
           <p:cNvPr id="2" name="Title 1">
             <a:extLst>
               <a:ext uri="{FF2B5EF4-FFF2-40B4-BE49-F238E27FC236}">
-                <a16:creationId xmlns:a16="http://schemas.microsoft.com/office/drawing/2014/main" id="{64DA364F-5E72-63D2-5735-1A8E8D94A83F}"/>
+                <a16:creationId xmlns:a16="http://schemas.microsoft.com/office/drawing/2014/main" id="{835455C9-FC93-EBFA-DAE2-9224DA2852F4}"/>
               </a:ext>
             </a:extLst>
           </p:cNvPr>
@@ -9119,7 +8118,12 @@
             <p:ph type="title"/>
           </p:nvPr>
         </p:nvSpPr>
-        <p:spPr/>
+        <p:spPr>
+          <a:xfrm>
+            <a:off x="913795" y="618259"/>
+            <a:ext cx="10353762" cy="1257300"/>
+          </a:xfrm>
+        </p:spPr>
         <p:txBody>
           <a:bodyPr/>
           <a:lstStyle/>
@@ -9129,7 +8133,7 @@
                 <a:latin typeface="Times New Roman" panose="02020603050405020304" pitchFamily="18" charset="0"/>
                 <a:cs typeface="Times New Roman" panose="02020603050405020304" pitchFamily="18" charset="0"/>
               </a:rPr>
-              <a:t>Implementation Cont’d</a:t>
+              <a:t>Challenges</a:t>
             </a:r>
           </a:p>
         </p:txBody>
@@ -9139,7 +8143,7 @@
           <p:cNvPr id="3" name="Content Placeholder 2">
             <a:extLst>
               <a:ext uri="{FF2B5EF4-FFF2-40B4-BE49-F238E27FC236}">
-                <a16:creationId xmlns:a16="http://schemas.microsoft.com/office/drawing/2014/main" id="{036D7C8A-46DF-8D61-E6A6-64DFF09E64DB}"/>
+                <a16:creationId xmlns:a16="http://schemas.microsoft.com/office/drawing/2014/main" id="{846FC266-5890-F99A-46D5-764942A7081F}"/>
               </a:ext>
             </a:extLst>
           </p:cNvPr>
@@ -9150,10 +8154,15 @@
             <p:ph idx="1"/>
           </p:nvPr>
         </p:nvSpPr>
-        <p:spPr/>
+        <p:spPr>
+          <a:xfrm>
+            <a:off x="913795" y="2092036"/>
+            <a:ext cx="10353762" cy="3602181"/>
+          </a:xfrm>
+        </p:spPr>
         <p:txBody>
           <a:bodyPr>
-            <a:normAutofit/>
+            <a:normAutofit lnSpcReduction="10000"/>
           </a:bodyPr>
           <a:lstStyle/>
           <a:p>
@@ -9163,16 +8172,12 @@
               <a:defRPr sz="2400"/>
             </a:pPr>
             <a:r>
-              <a:rPr sz="2400" dirty="0">
+              <a:rPr lang="en-US" sz="3200" dirty="0">
                 <a:latin typeface="Times New Roman" panose="02020603050405020304" pitchFamily="18" charset="0"/>
                 <a:cs typeface="Times New Roman" panose="02020603050405020304" pitchFamily="18" charset="0"/>
               </a:rPr>
-              <a:t>parse_object_file reads the object file line-by-line using fgets into a fixed buffer.</a:t>
-            </a:r>
-            <a:endParaRPr lang="en-US" sz="2400" dirty="0">
-              <a:latin typeface="Times New Roman" panose="02020603050405020304" pitchFamily="18" charset="0"/>
-              <a:cs typeface="Times New Roman" panose="02020603050405020304" pitchFamily="18" charset="0"/>
-            </a:endParaRPr>
+              <a:t>Matching each M record to the correct location in the object code.</a:t>
+            </a:r>
           </a:p>
           <a:p>
             <a:pPr>
@@ -9181,12 +8186,16 @@
               <a:defRPr sz="2400"/>
             </a:pPr>
             <a:r>
-              <a:rPr sz="2400" dirty="0">
+              <a:rPr lang="en-US" sz="3200" dirty="0">
                 <a:latin typeface="Times New Roman" panose="02020603050405020304" pitchFamily="18" charset="0"/>
                 <a:cs typeface="Times New Roman" panose="02020603050405020304" pitchFamily="18" charset="0"/>
               </a:rPr>
-              <a:t>Each line is trimmed (newline removed) and classified by its first character: H, T, M, or E.</a:t>
-            </a:r>
+              <a:t>Even the smallest address mistake can move the program to the wrong place. </a:t>
+            </a:r>
+            <a:endParaRPr sz="3200" dirty="0">
+              <a:latin typeface="Times New Roman" panose="02020603050405020304" pitchFamily="18" charset="0"/>
+              <a:cs typeface="Times New Roman" panose="02020603050405020304" pitchFamily="18" charset="0"/>
+            </a:endParaRPr>
           </a:p>
           <a:p>
             <a:pPr>
@@ -9195,22 +8204,18 @@
               <a:defRPr sz="2400"/>
             </a:pPr>
             <a:r>
-              <a:rPr dirty="0"/>
-              <a:t>Fields are extracted with sscanf and converted using strtol (hex to int).</a:t>
-            </a:r>
-          </a:p>
-          <a:p>
-            <a:pPr>
-              <a:buFont typeface="Wingdings" panose="05000000000000000000" pitchFamily="2" charset="2"/>
-              <a:buChar char="Ø"/>
-              <a:defRPr sz="2400"/>
-            </a:pPr>
-            <a:r>
-              <a:rPr sz="2400" dirty="0">
+              <a:rPr lang="en-US" sz="3200" dirty="0">
                 <a:latin typeface="Times New Roman" panose="02020603050405020304" pitchFamily="18" charset="0"/>
                 <a:cs typeface="Times New Roman" panose="02020603050405020304" pitchFamily="18" charset="0"/>
               </a:rPr>
-              <a:t>Header values (start address / program length) are saved, then all T and M records are collected for relocation.</a:t>
+              <a:t>Changing the wrong bits can alter how an instruction behaves</a:t>
+            </a:r>
+            <a:r>
+              <a:rPr sz="3200" dirty="0">
+                <a:latin typeface="Times New Roman" panose="02020603050405020304" pitchFamily="18" charset="0"/>
+                <a:cs typeface="Times New Roman" panose="02020603050405020304" pitchFamily="18" charset="0"/>
+              </a:rPr>
+              <a:t>.</a:t>
             </a:r>
           </a:p>
         </p:txBody>
@@ -9218,7 +8223,7 @@
     </p:spTree>
     <p:extLst>
       <p:ext uri="{BB962C8B-B14F-4D97-AF65-F5344CB8AC3E}">
-        <p14:creationId xmlns:p14="http://schemas.microsoft.com/office/powerpoint/2010/main" val="3444599734"/>
+        <p14:creationId xmlns:p14="http://schemas.microsoft.com/office/powerpoint/2010/main" val="2157933623"/>
       </p:ext>
     </p:extLst>
   </p:cSld>
@@ -9231,6 +8236,25 @@
 <file path=ppt/slides/slide6.xml><?xml version="1.0" encoding="utf-8"?>
 <p:sld xmlns:a="http://schemas.openxmlformats.org/drawingml/2006/main" xmlns:r="http://schemas.openxmlformats.org/officeDocument/2006/relationships" xmlns:p="http://schemas.openxmlformats.org/presentationml/2006/main">
   <p:cSld>
+    <p:bg>
+      <p:bgPr>
+        <a:blipFill rotWithShape="1">
+          <a:blip r:embed="rId3">
+            <a:duotone>
+              <a:schemeClr val="bg1">
+                <a:shade val="80000"/>
+                <a:lumMod val="80000"/>
+              </a:schemeClr>
+              <a:schemeClr val="bg1">
+                <a:tint val="98000"/>
+              </a:schemeClr>
+            </a:duotone>
+          </a:blip>
+          <a:stretch/>
+        </a:blipFill>
+        <a:effectLst/>
+      </p:bgPr>
+    </p:bg>
     <p:spTree>
       <p:nvGrpSpPr>
         <p:cNvPr id="1" name=""/>
@@ -9245,12 +8269,72 @@
           <a:chExt cx="0" cy="0"/>
         </a:xfrm>
       </p:grpSpPr>
+      <p:sp useBgFill="1">
+        <p:nvSpPr>
+          <p:cNvPr id="14" name="Rectangle 13">
+            <a:extLst>
+              <a:ext uri="{FF2B5EF4-FFF2-40B4-BE49-F238E27FC236}">
+                <a16:creationId xmlns:a16="http://schemas.microsoft.com/office/drawing/2014/main" id="{F662C799-B874-4F21-9E26-28BC92A6598B}"/>
+              </a:ext>
+              <a:ext uri="{C183D7F6-B498-43B3-948B-1728B52AA6E4}">
+                <adec:decorative xmlns:adec="http://schemas.microsoft.com/office/drawing/2017/decorative" val="1"/>
+              </a:ext>
+            </a:extLst>
+          </p:cNvPr>
+          <p:cNvSpPr>
+            <a:spLocks noGrp="1" noRot="1" noChangeAspect="1" noMove="1" noResize="1" noEditPoints="1" noAdjustHandles="1" noChangeArrowheads="1" noChangeShapeType="1" noTextEdit="1"/>
+          </p:cNvSpPr>
+          <p:nvPr>
+            <p:extLst>
+              <p:ext uri="{386F3935-93C4-4BCD-93E2-E3B085C9AB24}">
+                <p16:designElem xmlns:p16="http://schemas.microsoft.com/office/powerpoint/2015/main" val="1"/>
+              </p:ext>
+            </p:extLst>
+          </p:nvPr>
+        </p:nvSpPr>
+        <p:spPr>
+          <a:xfrm>
+            <a:off x="0" y="0"/>
+            <a:ext cx="12192000" cy="6858000"/>
+          </a:xfrm>
+          <a:prstGeom prst="rect">
+            <a:avLst/>
+          </a:prstGeom>
+          <a:ln>
+            <a:noFill/>
+          </a:ln>
+        </p:spPr>
+        <p:style>
+          <a:lnRef idx="2">
+            <a:schemeClr val="accent1">
+              <a:shade val="50000"/>
+            </a:schemeClr>
+          </a:lnRef>
+          <a:fillRef idx="1">
+            <a:schemeClr val="accent1"/>
+          </a:fillRef>
+          <a:effectRef idx="0">
+            <a:schemeClr val="accent1"/>
+          </a:effectRef>
+          <a:fontRef idx="minor">
+            <a:schemeClr val="lt1"/>
+          </a:fontRef>
+        </p:style>
+        <p:txBody>
+          <a:bodyPr rtlCol="0" anchor="ctr"/>
+          <a:lstStyle/>
+          <a:p>
+            <a:pPr algn="ctr"/>
+            <a:endParaRPr lang="en-US"/>
+          </a:p>
+        </p:txBody>
+      </p:sp>
       <p:sp>
         <p:nvSpPr>
           <p:cNvPr id="2" name="Title 1">
             <a:extLst>
               <a:ext uri="{FF2B5EF4-FFF2-40B4-BE49-F238E27FC236}">
-                <a16:creationId xmlns:a16="http://schemas.microsoft.com/office/drawing/2014/main" id="{835455C9-FC93-EBFA-DAE2-9224DA2852F4}"/>
+                <a16:creationId xmlns:a16="http://schemas.microsoft.com/office/drawing/2014/main" id="{EF310E3F-0B4B-8246-7E76-715FCE9367AC}"/>
               </a:ext>
             </a:extLst>
           </p:cNvPr>
@@ -9261,9 +8345,16 @@
             <p:ph type="title"/>
           </p:nvPr>
         </p:nvSpPr>
-        <p:spPr/>
-        <p:txBody>
-          <a:bodyPr/>
+        <p:spPr>
+          <a:xfrm>
+            <a:off x="633743" y="609599"/>
+            <a:ext cx="3413156" cy="5273675"/>
+          </a:xfrm>
+        </p:spPr>
+        <p:txBody>
+          <a:bodyPr>
+            <a:normAutofit/>
+          </a:bodyPr>
           <a:lstStyle/>
           <a:p>
             <a:r>
@@ -9271,7 +8362,7 @@
                 <a:latin typeface="Times New Roman" panose="02020603050405020304" pitchFamily="18" charset="0"/>
                 <a:cs typeface="Times New Roman" panose="02020603050405020304" pitchFamily="18" charset="0"/>
               </a:rPr>
-              <a:t>Challenges We Faced</a:t>
+              <a:t>Challenges Cont’d</a:t>
             </a:r>
           </a:p>
         </p:txBody>
@@ -9281,7 +8372,7 @@
           <p:cNvPr id="3" name="Content Placeholder 2">
             <a:extLst>
               <a:ext uri="{FF2B5EF4-FFF2-40B4-BE49-F238E27FC236}">
-                <a16:creationId xmlns:a16="http://schemas.microsoft.com/office/drawing/2014/main" id="{846FC266-5890-F99A-46D5-764942A7081F}"/>
+                <a16:creationId xmlns:a16="http://schemas.microsoft.com/office/drawing/2014/main" id="{79680B54-33D5-72C4-2E53-469A37F7602D}"/>
               </a:ext>
             </a:extLst>
           </p:cNvPr>
@@ -9292,10 +8383,15 @@
             <p:ph idx="1"/>
           </p:nvPr>
         </p:nvSpPr>
-        <p:spPr/>
-        <p:txBody>
-          <a:bodyPr>
-            <a:normAutofit/>
+        <p:spPr>
+          <a:xfrm>
+            <a:off x="4680641" y="659341"/>
+            <a:ext cx="6889687" cy="5273675"/>
+          </a:xfrm>
+        </p:spPr>
+        <p:txBody>
+          <a:bodyPr anchor="ctr">
+            <a:normAutofit fontScale="92500" lnSpcReduction="20000"/>
           </a:bodyPr>
           <a:lstStyle/>
           <a:p>
@@ -9305,11 +8401,11 @@
               <a:defRPr sz="2400"/>
             </a:pPr>
             <a:r>
-              <a:rPr lang="en-US" dirty="0">
+              <a:rPr lang="en-US" sz="2800" dirty="0">
                 <a:latin typeface="Times New Roman" panose="02020603050405020304" pitchFamily="18" charset="0"/>
                 <a:cs typeface="Times New Roman" panose="02020603050405020304" pitchFamily="18" charset="0"/>
               </a:rPr>
-              <a:t>In SIC, absolute addressing means most instruction operands are not directly relocatable and must be changed.</a:t>
+              <a:t>Handling the differences between SIC and SICXE relocation rules.</a:t>
             </a:r>
           </a:p>
           <a:p>
@@ -9319,26 +8415,129 @@
               <a:defRPr sz="2400"/>
             </a:pPr>
             <a:r>
-              <a:rPr lang="en-US" dirty="0">
+              <a:rPr lang="en-US" sz="2800" dirty="0">
                 <a:latin typeface="Times New Roman" panose="02020603050405020304" pitchFamily="18" charset="0"/>
                 <a:cs typeface="Times New Roman" panose="02020603050405020304" pitchFamily="18" charset="0"/>
               </a:rPr>
-              <a:t>P</a:t>
-            </a:r>
-            <a:r>
-              <a:rPr dirty="0">
+              <a:t>Avoiding mistakes when the object program is split across multiple records.</a:t>
+            </a:r>
+          </a:p>
+          <a:p>
+            <a:pPr lvl="1">
+              <a:buFont typeface="Wingdings" panose="05000000000000000000" pitchFamily="2" charset="2"/>
+              <a:buChar char="Ø"/>
+              <a:defRPr sz="2400"/>
+            </a:pPr>
+            <a:endParaRPr lang="en-US" sz="2600" dirty="0">
+              <a:latin typeface="Times New Roman" panose="02020603050405020304" pitchFamily="18" charset="0"/>
+              <a:cs typeface="Times New Roman" panose="02020603050405020304" pitchFamily="18" charset="0"/>
+            </a:endParaRPr>
+          </a:p>
+          <a:p>
+            <a:pPr lvl="1">
+              <a:buFont typeface="Wingdings" panose="05000000000000000000" pitchFamily="2" charset="2"/>
+              <a:buChar char="Ø"/>
+              <a:defRPr sz="2400"/>
+            </a:pPr>
+            <a:endParaRPr lang="en-US" sz="2600" dirty="0">
+              <a:latin typeface="Times New Roman" panose="02020603050405020304" pitchFamily="18" charset="0"/>
+              <a:cs typeface="Times New Roman" panose="02020603050405020304" pitchFamily="18" charset="0"/>
+            </a:endParaRPr>
+          </a:p>
+          <a:p>
+            <a:pPr lvl="1">
+              <a:buFont typeface="Wingdings" panose="05000000000000000000" pitchFamily="2" charset="2"/>
+              <a:buChar char="Ø"/>
+              <a:defRPr sz="2400"/>
+            </a:pPr>
+            <a:endParaRPr lang="en-US" sz="2600" dirty="0">
+              <a:latin typeface="Times New Roman" panose="02020603050405020304" pitchFamily="18" charset="0"/>
+              <a:cs typeface="Times New Roman" panose="02020603050405020304" pitchFamily="18" charset="0"/>
+            </a:endParaRPr>
+          </a:p>
+          <a:p>
+            <a:pPr lvl="1">
+              <a:buFont typeface="Wingdings" panose="05000000000000000000" pitchFamily="2" charset="2"/>
+              <a:buChar char="Ø"/>
+              <a:defRPr sz="2400"/>
+            </a:pPr>
+            <a:endParaRPr lang="en-US" sz="2600" dirty="0">
+              <a:latin typeface="Times New Roman" panose="02020603050405020304" pitchFamily="18" charset="0"/>
+              <a:cs typeface="Times New Roman" panose="02020603050405020304" pitchFamily="18" charset="0"/>
+            </a:endParaRPr>
+          </a:p>
+          <a:p>
+            <a:pPr lvl="1">
+              <a:buFont typeface="Wingdings" panose="05000000000000000000" pitchFamily="2" charset="2"/>
+              <a:buChar char="Ø"/>
+              <a:defRPr sz="2400"/>
+            </a:pPr>
+            <a:endParaRPr lang="en-US" sz="2600" dirty="0">
+              <a:latin typeface="Times New Roman" panose="02020603050405020304" pitchFamily="18" charset="0"/>
+              <a:cs typeface="Times New Roman" panose="02020603050405020304" pitchFamily="18" charset="0"/>
+            </a:endParaRPr>
+          </a:p>
+          <a:p>
+            <a:pPr lvl="1">
+              <a:buFont typeface="Wingdings" panose="05000000000000000000" pitchFamily="2" charset="2"/>
+              <a:buChar char="Ø"/>
+              <a:defRPr sz="2400"/>
+            </a:pPr>
+            <a:endParaRPr lang="en-US" sz="2600" dirty="0">
+              <a:latin typeface="Times New Roman" panose="02020603050405020304" pitchFamily="18" charset="0"/>
+              <a:cs typeface="Times New Roman" panose="02020603050405020304" pitchFamily="18" charset="0"/>
+            </a:endParaRPr>
+          </a:p>
+          <a:p>
+            <a:pPr>
+              <a:buFont typeface="Wingdings" panose="05000000000000000000" pitchFamily="2" charset="2"/>
+              <a:buChar char="Ø"/>
+              <a:defRPr sz="2400"/>
+            </a:pPr>
+            <a:r>
+              <a:rPr lang="en-US" sz="2800" dirty="0">
                 <a:latin typeface="Times New Roman" panose="02020603050405020304" pitchFamily="18" charset="0"/>
                 <a:cs typeface="Times New Roman" panose="02020603050405020304" pitchFamily="18" charset="0"/>
               </a:rPr>
-              <a:t>arsing strings safely (fgets/sscanf/strtol) and keeping counters/arrays consistent.</a:t>
-            </a:r>
-          </a:p>
-        </p:txBody>
-      </p:sp>
+              <a:t>Preventing relocation from touching fields that affect instruction behavior.</a:t>
+            </a:r>
+          </a:p>
+        </p:txBody>
+      </p:sp>
+      <p:pic>
+        <p:nvPicPr>
+          <p:cNvPr id="7" name="Picture 6" descr="A computer code with white text&#10;&#10;AI-generated content may be incorrect.">
+            <a:extLst>
+              <a:ext uri="{FF2B5EF4-FFF2-40B4-BE49-F238E27FC236}">
+                <a16:creationId xmlns:a16="http://schemas.microsoft.com/office/drawing/2014/main" id="{CA01A2F2-3815-B906-8BC8-B10AE1F0CBC1}"/>
+              </a:ext>
+            </a:extLst>
+          </p:cNvPr>
+          <p:cNvPicPr>
+            <a:picLocks noChangeAspect="1"/>
+          </p:cNvPicPr>
+          <p:nvPr/>
+        </p:nvPicPr>
+        <p:blipFill>
+          <a:blip r:embed="rId4"/>
+          <a:stretch>
+            <a:fillRect/>
+          </a:stretch>
+        </p:blipFill>
+        <p:spPr>
+          <a:xfrm>
+            <a:off x="5343472" y="2635291"/>
+            <a:ext cx="5551954" cy="1850651"/>
+          </a:xfrm>
+          <a:prstGeom prst="rect">
+            <a:avLst/>
+          </a:prstGeom>
+        </p:spPr>
+      </p:pic>
     </p:spTree>
     <p:extLst>
       <p:ext uri="{BB962C8B-B14F-4D97-AF65-F5344CB8AC3E}">
-        <p14:creationId xmlns:p14="http://schemas.microsoft.com/office/powerpoint/2010/main" val="2157933623"/>
+        <p14:creationId xmlns:p14="http://schemas.microsoft.com/office/powerpoint/2010/main" val="3875915016"/>
       </p:ext>
     </p:extLst>
   </p:cSld>
@@ -9370,7 +8569,7 @@
           <p:cNvPr id="2" name="Title 1">
             <a:extLst>
               <a:ext uri="{FF2B5EF4-FFF2-40B4-BE49-F238E27FC236}">
-                <a16:creationId xmlns:a16="http://schemas.microsoft.com/office/drawing/2014/main" id="{EF310E3F-0B4B-8246-7E76-715FCE9367AC}"/>
+                <a16:creationId xmlns:a16="http://schemas.microsoft.com/office/drawing/2014/main" id="{AA85E8AF-D893-80A0-1418-7B968BEF58E8}"/>
               </a:ext>
             </a:extLst>
           </p:cNvPr>
@@ -9383,7 +8582,9 @@
         </p:nvSpPr>
         <p:spPr/>
         <p:txBody>
-          <a:bodyPr/>
+          <a:bodyPr>
+            <a:normAutofit/>
+          </a:bodyPr>
           <a:lstStyle/>
           <a:p>
             <a:r>
@@ -9391,7 +8592,7 @@
                 <a:latin typeface="Times New Roman" panose="02020603050405020304" pitchFamily="18" charset="0"/>
                 <a:cs typeface="Times New Roman" panose="02020603050405020304" pitchFamily="18" charset="0"/>
               </a:rPr>
-              <a:t>Challenges Cont’d</a:t>
+              <a:t>Testing</a:t>
             </a:r>
           </a:p>
         </p:txBody>
@@ -9401,7 +8602,7 @@
           <p:cNvPr id="3" name="Content Placeholder 2">
             <a:extLst>
               <a:ext uri="{FF2B5EF4-FFF2-40B4-BE49-F238E27FC236}">
-                <a16:creationId xmlns:a16="http://schemas.microsoft.com/office/drawing/2014/main" id="{79680B54-33D5-72C4-2E53-469A37F7602D}"/>
+                <a16:creationId xmlns:a16="http://schemas.microsoft.com/office/drawing/2014/main" id="{5646C1BC-BC65-E54D-4F88-6CF628A97767}"/>
               </a:ext>
             </a:extLst>
           </p:cNvPr>
@@ -9412,10 +8613,15 @@
             <p:ph idx="1"/>
           </p:nvPr>
         </p:nvSpPr>
-        <p:spPr/>
+        <p:spPr>
+          <a:xfrm>
+            <a:off x="913795" y="2076450"/>
+            <a:ext cx="10353762" cy="4026638"/>
+          </a:xfrm>
+        </p:spPr>
         <p:txBody>
           <a:bodyPr>
-            <a:normAutofit lnSpcReduction="10000"/>
+            <a:noAutofit/>
           </a:bodyPr>
           <a:lstStyle/>
           <a:p>
@@ -9425,16 +8631,12 @@
               <a:defRPr sz="2400"/>
             </a:pPr>
             <a:r>
-              <a:rPr dirty="0">
+              <a:rPr sz="3200" dirty="0">
                 <a:latin typeface="Times New Roman" panose="02020603050405020304" pitchFamily="18" charset="0"/>
                 <a:cs typeface="Times New Roman" panose="02020603050405020304" pitchFamily="18" charset="0"/>
               </a:rPr>
-              <a:t>Some relocations can’t change a whole byte: SIC M records may need “half-byte” modifications.</a:t>
-            </a:r>
-            <a:endParaRPr lang="en-US" dirty="0">
-              <a:latin typeface="Times New Roman" panose="02020603050405020304" pitchFamily="18" charset="0"/>
-              <a:cs typeface="Times New Roman" panose="02020603050405020304" pitchFamily="18" charset="0"/>
-            </a:endParaRPr>
+              <a:t>Input checks: missing/invalid arguments should be rejected.</a:t>
+            </a:r>
           </a:p>
           <a:p>
             <a:pPr>
@@ -9443,11 +8645,18 @@
               <a:defRPr sz="2400"/>
             </a:pPr>
             <a:r>
-              <a:rPr dirty="0">
+              <a:rPr lang="en-US" sz="3200" dirty="0">
                 <a:latin typeface="Times New Roman" panose="02020603050405020304" pitchFamily="18" charset="0"/>
                 <a:cs typeface="Times New Roman" panose="02020603050405020304" pitchFamily="18" charset="0"/>
               </a:rPr>
-              <a:t>This matters when indexed mode is used (x bit set): changing the wrong bits changes program behavior.</a:t>
+              <a:t>Baseline relocation (offset = 0)</a:t>
+            </a:r>
+            <a:r>
+              <a:rPr sz="3200" dirty="0">
+                <a:latin typeface="Times New Roman" panose="02020603050405020304" pitchFamily="18" charset="0"/>
+                <a:cs typeface="Times New Roman" panose="02020603050405020304" pitchFamily="18" charset="0"/>
+              </a:rPr>
+              <a:t>: relocating to the same address should produce matching output.</a:t>
             </a:r>
           </a:p>
           <a:p>
@@ -9457,32 +8666,18 @@
               <a:defRPr sz="2400"/>
             </a:pPr>
             <a:r>
-              <a:rPr lang="en-US" dirty="0">
+              <a:rPr lang="en-US" sz="3200" dirty="0">
                 <a:latin typeface="Times New Roman" panose="02020603050405020304" pitchFamily="18" charset="0"/>
                 <a:cs typeface="Times New Roman" panose="02020603050405020304" pitchFamily="18" charset="0"/>
               </a:rPr>
-              <a:t>So,</a:t>
-            </a:r>
-            <a:r>
-              <a:rPr dirty="0">
+              <a:t>Relocation with offset (offset != 0)</a:t>
+            </a:r>
+            <a:r>
+              <a:rPr sz="3200" dirty="0">
                 <a:latin typeface="Times New Roman" panose="02020603050405020304" pitchFamily="18" charset="0"/>
                 <a:cs typeface="Times New Roman" panose="02020603050405020304" pitchFamily="18" charset="0"/>
               </a:rPr>
-              <a:t> the loader needs to patch inside the object code (not just shift record start addresses).</a:t>
-            </a:r>
-          </a:p>
-          <a:p>
-            <a:pPr>
-              <a:buFont typeface="Wingdings" panose="05000000000000000000" pitchFamily="2" charset="2"/>
-              <a:buChar char="Ø"/>
-              <a:defRPr sz="2400"/>
-            </a:pPr>
-            <a:r>
-              <a:rPr dirty="0">
-                <a:latin typeface="Times New Roman" panose="02020603050405020304" pitchFamily="18" charset="0"/>
-                <a:cs typeface="Times New Roman" panose="02020603050405020304" pitchFamily="18" charset="0"/>
-              </a:rPr>
-              <a:t>That’s why the code stores both T record payloads and M record locations to process later.</a:t>
+              <a:t>: relocating to a different address should update all relocation-dependent fields.</a:t>
             </a:r>
           </a:p>
         </p:txBody>
@@ -9490,7 +8685,7 @@
     </p:spTree>
     <p:extLst>
       <p:ext uri="{BB962C8B-B14F-4D97-AF65-F5344CB8AC3E}">
-        <p14:creationId xmlns:p14="http://schemas.microsoft.com/office/powerpoint/2010/main" val="3875915016"/>
+        <p14:creationId xmlns:p14="http://schemas.microsoft.com/office/powerpoint/2010/main" val="264455151"/>
       </p:ext>
     </p:extLst>
   </p:cSld>
@@ -9522,7 +8717,7 @@
           <p:cNvPr id="2" name="Title 1">
             <a:extLst>
               <a:ext uri="{FF2B5EF4-FFF2-40B4-BE49-F238E27FC236}">
-                <a16:creationId xmlns:a16="http://schemas.microsoft.com/office/drawing/2014/main" id="{38D052C2-5765-E8E1-7471-9282DA367371}"/>
+                <a16:creationId xmlns:a16="http://schemas.microsoft.com/office/drawing/2014/main" id="{A48DDDA6-C5A6-3B56-0713-1DB1B87B3B21}"/>
               </a:ext>
             </a:extLst>
           </p:cNvPr>
@@ -9533,7 +8728,12 @@
             <p:ph type="title"/>
           </p:nvPr>
         </p:nvSpPr>
-        <p:spPr/>
+        <p:spPr>
+          <a:xfrm>
+            <a:off x="913795" y="438151"/>
+            <a:ext cx="10353762" cy="1257300"/>
+          </a:xfrm>
+        </p:spPr>
         <p:txBody>
           <a:bodyPr/>
           <a:lstStyle/>
@@ -9543,7 +8743,7 @@
                 <a:latin typeface="Times New Roman" panose="02020603050405020304" pitchFamily="18" charset="0"/>
                 <a:cs typeface="Times New Roman" panose="02020603050405020304" pitchFamily="18" charset="0"/>
               </a:rPr>
-              <a:t>Challenges Cont’d</a:t>
+              <a:t>Our Solutions</a:t>
             </a:r>
           </a:p>
         </p:txBody>
@@ -9553,7 +8753,7 @@
           <p:cNvPr id="3" name="Content Placeholder 2">
             <a:extLst>
               <a:ext uri="{FF2B5EF4-FFF2-40B4-BE49-F238E27FC236}">
-                <a16:creationId xmlns:a16="http://schemas.microsoft.com/office/drawing/2014/main" id="{82A18C09-5690-F8B5-B549-643DB817BDD4}"/>
+                <a16:creationId xmlns:a16="http://schemas.microsoft.com/office/drawing/2014/main" id="{9F1B4A56-386B-B421-C02D-D555376C31D7}"/>
               </a:ext>
             </a:extLst>
           </p:cNvPr>
@@ -9564,9 +8764,16 @@
             <p:ph idx="1"/>
           </p:nvPr>
         </p:nvSpPr>
-        <p:spPr/>
-        <p:txBody>
-          <a:bodyPr/>
+        <p:spPr>
+          <a:xfrm>
+            <a:off x="919119" y="2090304"/>
+            <a:ext cx="10353762" cy="3756314"/>
+          </a:xfrm>
+        </p:spPr>
+        <p:txBody>
+          <a:bodyPr>
+            <a:normAutofit fontScale="92500" lnSpcReduction="10000"/>
+          </a:bodyPr>
           <a:lstStyle/>
           <a:p>
             <a:pPr>
@@ -9575,16 +8782,19 @@
               <a:defRPr sz="2400"/>
             </a:pPr>
             <a:r>
-              <a:rPr dirty="0">
+              <a:rPr lang="en-US" sz="3200" dirty="0">
                 <a:latin typeface="Times New Roman" panose="02020603050405020304" pitchFamily="18" charset="0"/>
                 <a:cs typeface="Times New Roman" panose="02020603050405020304" pitchFamily="18" charset="0"/>
               </a:rPr>
-              <a:t>Supporting SIC vs SICXE: SIC has no PC-relative addressing, while SICXE does (impacts how much relocation is needed).</a:t>
-            </a:r>
-            <a:endParaRPr lang="en-US" dirty="0">
-              <a:latin typeface="Times New Roman" panose="02020603050405020304" pitchFamily="18" charset="0"/>
-              <a:cs typeface="Times New Roman" panose="02020603050405020304" pitchFamily="18" charset="0"/>
-            </a:endParaRPr>
+              <a:t>We compute a relocation offset from the new load address and apply it consistently</a:t>
+            </a:r>
+            <a:r>
+              <a:rPr sz="3200" dirty="0">
+                <a:latin typeface="Times New Roman" panose="02020603050405020304" pitchFamily="18" charset="0"/>
+                <a:cs typeface="Times New Roman" panose="02020603050405020304" pitchFamily="18" charset="0"/>
+              </a:rPr>
+              <a:t>.</a:t>
+            </a:r>
           </a:p>
           <a:p>
             <a:pPr>
@@ -9593,11 +8803,11 @@
               <a:defRPr sz="2400"/>
             </a:pPr>
             <a:r>
-              <a:rPr dirty="0">
+              <a:rPr lang="en-US" sz="3200" dirty="0">
                 <a:latin typeface="Times New Roman" panose="02020603050405020304" pitchFamily="18" charset="0"/>
                 <a:cs typeface="Times New Roman" panose="02020603050405020304" pitchFamily="18" charset="0"/>
               </a:rPr>
-              <a:t>Handling multiple text records + multiple modification records per object file.</a:t>
+              <a:t>We relocate the T/E record addresses, then apply only the M record changes that are required.</a:t>
             </a:r>
           </a:p>
           <a:p>
@@ -9607,19 +8817,23 @@
               <a:defRPr sz="2400"/>
             </a:pPr>
             <a:r>
-              <a:rPr dirty="0">
+              <a:rPr lang="en-US" sz="3200" dirty="0">
                 <a:latin typeface="Times New Roman" panose="02020603050405020304" pitchFamily="18" charset="0"/>
                 <a:cs typeface="Times New Roman" panose="02020603050405020304" pitchFamily="18" charset="0"/>
               </a:rPr>
-              <a:t>Data size limits: MAX_RECORD and MAX_LINE_LENGTH cap how many records/bytes we keep in memory.</a:t>
-            </a:r>
+              <a:t>We ensure the final relocated output is structured correctly so it can be compared across different load addresses (same program behavior).</a:t>
+            </a:r>
+            <a:endParaRPr sz="3200" dirty="0">
+              <a:latin typeface="Times New Roman" panose="02020603050405020304" pitchFamily="18" charset="0"/>
+              <a:cs typeface="Times New Roman" panose="02020603050405020304" pitchFamily="18" charset="0"/>
+            </a:endParaRPr>
           </a:p>
         </p:txBody>
       </p:sp>
     </p:spTree>
     <p:extLst>
       <p:ext uri="{BB962C8B-B14F-4D97-AF65-F5344CB8AC3E}">
-        <p14:creationId xmlns:p14="http://schemas.microsoft.com/office/powerpoint/2010/main" val="1720339000"/>
+        <p14:creationId xmlns:p14="http://schemas.microsoft.com/office/powerpoint/2010/main" val="3645116029"/>
       </p:ext>
     </p:extLst>
   </p:cSld>
@@ -9651,7 +8865,7 @@
           <p:cNvPr id="2" name="Title 1">
             <a:extLst>
               <a:ext uri="{FF2B5EF4-FFF2-40B4-BE49-F238E27FC236}">
-                <a16:creationId xmlns:a16="http://schemas.microsoft.com/office/drawing/2014/main" id="{AA85E8AF-D893-80A0-1418-7B968BEF58E8}"/>
+                <a16:creationId xmlns:a16="http://schemas.microsoft.com/office/drawing/2014/main" id="{CEBC66F1-0EDF-55ED-2C0B-96D13B2B6BFD}"/>
               </a:ext>
             </a:extLst>
           </p:cNvPr>
@@ -9662,7 +8876,12 @@
             <p:ph type="title"/>
           </p:nvPr>
         </p:nvSpPr>
-        <p:spPr/>
+        <p:spPr>
+          <a:xfrm>
+            <a:off x="919119" y="2369127"/>
+            <a:ext cx="10353762" cy="2119746"/>
+          </a:xfrm>
+        </p:spPr>
         <p:txBody>
           <a:bodyPr>
             <a:normAutofit/>
@@ -9670,149 +8889,29 @@
           <a:lstStyle/>
           <a:p>
             <a:r>
-              <a:rPr lang="en-US" dirty="0">
+              <a:rPr lang="en-US">
                 <a:latin typeface="Times New Roman" panose="02020603050405020304" pitchFamily="18" charset="0"/>
                 <a:cs typeface="Times New Roman" panose="02020603050405020304" pitchFamily="18" charset="0"/>
               </a:rPr>
-              <a:t>Testing</a:t>
-            </a:r>
-          </a:p>
-        </p:txBody>
-      </p:sp>
-      <p:sp>
-        <p:nvSpPr>
-          <p:cNvPr id="3" name="Content Placeholder 2">
-            <a:extLst>
-              <a:ext uri="{FF2B5EF4-FFF2-40B4-BE49-F238E27FC236}">
-                <a16:creationId xmlns:a16="http://schemas.microsoft.com/office/drawing/2014/main" id="{5646C1BC-BC65-E54D-4F88-6CF628A97767}"/>
-              </a:ext>
-            </a:extLst>
-          </p:cNvPr>
-          <p:cNvSpPr>
-            <a:spLocks noGrp="1"/>
-          </p:cNvSpPr>
-          <p:nvPr>
-            <p:ph idx="1"/>
-          </p:nvPr>
-        </p:nvSpPr>
-        <p:spPr/>
-        <p:txBody>
-          <a:bodyPr>
-            <a:normAutofit/>
-          </a:bodyPr>
-          <a:lstStyle/>
-          <a:p>
-            <a:pPr>
-              <a:buFont typeface="Wingdings" panose="05000000000000000000" pitchFamily="2" charset="2"/>
-              <a:buChar char="Ø"/>
-              <a:defRPr sz="2200"/>
-            </a:pPr>
-            <a:r>
-              <a:rPr sz="2400" dirty="0">
+              <a:t>Any questions before our project demonstration?</a:t>
+            </a:r>
+            <a:br>
+              <a:rPr lang="en-US">
                 <a:latin typeface="Times New Roman" panose="02020603050405020304" pitchFamily="18" charset="0"/>
                 <a:cs typeface="Times New Roman" panose="02020603050405020304" pitchFamily="18" charset="0"/>
               </a:rPr>
-              <a:t>Input validation tests: wrong arg count prints usage; invalid machine type should be rejected.</a:t>
-            </a:r>
-            <a:endParaRPr lang="en-US" sz="2400" dirty="0">
+            </a:br>
+            <a:endParaRPr lang="en-US" dirty="0">
               <a:latin typeface="Times New Roman" panose="02020603050405020304" pitchFamily="18" charset="0"/>
               <a:cs typeface="Times New Roman" panose="02020603050405020304" pitchFamily="18" charset="0"/>
             </a:endParaRPr>
           </a:p>
-          <a:p>
-            <a:pPr>
-              <a:buFont typeface="Wingdings" panose="05000000000000000000" pitchFamily="2" charset="2"/>
-              <a:buChar char="Ø"/>
-              <a:defRPr sz="2200"/>
-            </a:pPr>
-            <a:r>
-              <a:rPr sz="2400" dirty="0">
-                <a:latin typeface="Times New Roman" panose="02020603050405020304" pitchFamily="18" charset="0"/>
-                <a:cs typeface="Times New Roman" panose="02020603050405020304" pitchFamily="18" charset="0"/>
-              </a:rPr>
-              <a:t>Zero</a:t>
-            </a:r>
-            <a:r>
-              <a:rPr lang="en-US" sz="2400" dirty="0">
-                <a:latin typeface="Times New Roman" panose="02020603050405020304" pitchFamily="18" charset="0"/>
-                <a:cs typeface="Times New Roman" panose="02020603050405020304" pitchFamily="18" charset="0"/>
-              </a:rPr>
-              <a:t> </a:t>
-            </a:r>
-            <a:r>
-              <a:rPr sz="2400" dirty="0">
-                <a:latin typeface="Times New Roman" panose="02020603050405020304" pitchFamily="18" charset="0"/>
-                <a:cs typeface="Times New Roman" panose="02020603050405020304" pitchFamily="18" charset="0"/>
-              </a:rPr>
-              <a:t>offset test: relocate to the same start address</a:t>
-            </a:r>
-            <a:r>
-              <a:rPr lang="en-US" sz="2400" dirty="0">
-                <a:latin typeface="Times New Roman" panose="02020603050405020304" pitchFamily="18" charset="0"/>
-                <a:cs typeface="Times New Roman" panose="02020603050405020304" pitchFamily="18" charset="0"/>
-              </a:rPr>
-              <a:t>, so the</a:t>
-            </a:r>
-            <a:r>
-              <a:rPr sz="2400" dirty="0">
-                <a:latin typeface="Times New Roman" panose="02020603050405020304" pitchFamily="18" charset="0"/>
-                <a:cs typeface="Times New Roman" panose="02020603050405020304" pitchFamily="18" charset="0"/>
-              </a:rPr>
-              <a:t> output should match</a:t>
-            </a:r>
-            <a:r>
-              <a:rPr lang="en-US" sz="2400" dirty="0">
-                <a:latin typeface="Times New Roman" panose="02020603050405020304" pitchFamily="18" charset="0"/>
-                <a:cs typeface="Times New Roman" panose="02020603050405020304" pitchFamily="18" charset="0"/>
-              </a:rPr>
-              <a:t> exactly.</a:t>
-            </a:r>
-            <a:endParaRPr sz="2400" dirty="0">
-              <a:latin typeface="Times New Roman" panose="02020603050405020304" pitchFamily="18" charset="0"/>
-              <a:cs typeface="Times New Roman" panose="02020603050405020304" pitchFamily="18" charset="0"/>
-            </a:endParaRPr>
-          </a:p>
-          <a:p>
-            <a:pPr>
-              <a:buFont typeface="Wingdings" panose="05000000000000000000" pitchFamily="2" charset="2"/>
-              <a:buChar char="Ø"/>
-              <a:defRPr sz="2200"/>
-            </a:pPr>
-            <a:r>
-              <a:rPr lang="en-US" sz="2400" dirty="0">
-                <a:latin typeface="Times New Roman" panose="02020603050405020304" pitchFamily="18" charset="0"/>
-                <a:cs typeface="Times New Roman" panose="02020603050405020304" pitchFamily="18" charset="0"/>
-              </a:rPr>
-              <a:t>Nonzero</a:t>
-            </a:r>
-            <a:r>
-              <a:rPr sz="2400" dirty="0">
-                <a:latin typeface="Times New Roman" panose="02020603050405020304" pitchFamily="18" charset="0"/>
-                <a:cs typeface="Times New Roman" panose="02020603050405020304" pitchFamily="18" charset="0"/>
-              </a:rPr>
-              <a:t> offset test: verify record addresses shift AND operands flagged by M records are updated (per M record rules).</a:t>
-            </a:r>
-          </a:p>
-          <a:p>
-            <a:pPr>
-              <a:buFont typeface="Wingdings" panose="05000000000000000000" pitchFamily="2" charset="2"/>
-              <a:buChar char="Ø"/>
-              <a:defRPr sz="2200"/>
-            </a:pPr>
-            <a:r>
-              <a:rPr sz="2400" dirty="0">
-                <a:latin typeface="Times New Roman" panose="02020603050405020304" pitchFamily="18" charset="0"/>
-                <a:cs typeface="Times New Roman" panose="02020603050405020304" pitchFamily="18" charset="0"/>
-              </a:rPr>
-              <a:t>Run the loader for both SIC and SICXE modes to confirm expected behavior.</a:t>
-            </a:r>
-          </a:p>
         </p:txBody>
       </p:sp>
     </p:spTree>
     <p:extLst>
       <p:ext uri="{BB962C8B-B14F-4D97-AF65-F5344CB8AC3E}">
-        <p14:creationId xmlns:p14="http://schemas.microsoft.com/office/powerpoint/2010/main" val="264455151"/>
+        <p14:creationId xmlns:p14="http://schemas.microsoft.com/office/powerpoint/2010/main" val="66239278"/>
       </p:ext>
     </p:extLst>
   </p:cSld>
@@ -10386,21 +9485,21 @@
 </file>
 
 <file path=customXml/item1.xml><?xml version="1.0" encoding="utf-8"?>
+<?mso-contentType ?>
+<FormTemplates xmlns="http://schemas.microsoft.com/sharepoint/v3/contenttype/forms">
+  <Display>DocumentLibraryForm</Display>
+  <Edit>DocumentLibraryForm</Edit>
+  <New>DocumentLibraryForm</New>
+</FormTemplates>
+</file>
+
+<file path=customXml/item2.xml><?xml version="1.0" encoding="utf-8"?>
 <p:properties xmlns:p="http://schemas.microsoft.com/office/2006/metadata/properties" xmlns:xsi="http://www.w3.org/2001/XMLSchema-instance" xmlns:pc="http://schemas.microsoft.com/office/infopath/2007/PartnerControls">
   <documentManagement>
     <Status xmlns="71af3243-3dd4-4a8d-8c0d-dd76da1f02a5">Not started</Status>
     <MediaServiceKeyPoints xmlns="71af3243-3dd4-4a8d-8c0d-dd76da1f02a5" xsi:nil="true"/>
   </documentManagement>
 </p:properties>
-</file>
-
-<file path=customXml/item2.xml><?xml version="1.0" encoding="utf-8"?>
-<?mso-contentType ?>
-<FormTemplates xmlns="http://schemas.microsoft.com/sharepoint/v3/contenttype/forms">
-  <Display>DocumentLibraryForm</Display>
-  <Edit>DocumentLibraryForm</Edit>
-  <New>DocumentLibraryForm</New>
-</FormTemplates>
 </file>
 
 <file path=customXml/item3.xml><?xml version="1.0" encoding="utf-8"?>
@@ -10625,19 +9724,19 @@
 </file>
 
 <file path=customXml/itemProps1.xml><?xml version="1.0" encoding="utf-8"?>
+<ds:datastoreItem xmlns:ds="http://schemas.openxmlformats.org/officeDocument/2006/customXml" ds:itemID="{64B270AB-C138-415C-897E-3C24487DECF1}">
+  <ds:schemaRefs>
+    <ds:schemaRef ds:uri="http://schemas.microsoft.com/sharepoint/v3/contenttype/forms"/>
+  </ds:schemaRefs>
+</ds:datastoreItem>
+</file>
+
+<file path=customXml/itemProps2.xml><?xml version="1.0" encoding="utf-8"?>
 <ds:datastoreItem xmlns:ds="http://schemas.openxmlformats.org/officeDocument/2006/customXml" ds:itemID="{2C4C00F4-06E9-43E3-AD97-88A857CEFA82}">
   <ds:schemaRefs>
     <ds:schemaRef ds:uri="http://schemas.microsoft.com/office/2006/metadata/properties"/>
     <ds:schemaRef ds:uri="http://schemas.microsoft.com/office/infopath/2007/PartnerControls"/>
     <ds:schemaRef ds:uri="71af3243-3dd4-4a8d-8c0d-dd76da1f02a5"/>
-  </ds:schemaRefs>
-</ds:datastoreItem>
-</file>
-
-<file path=customXml/itemProps2.xml><?xml version="1.0" encoding="utf-8"?>
-<ds:datastoreItem xmlns:ds="http://schemas.openxmlformats.org/officeDocument/2006/customXml" ds:itemID="{64B270AB-C138-415C-897E-3C24487DECF1}">
-  <ds:schemaRefs>
-    <ds:schemaRef ds:uri="http://schemas.microsoft.com/sharepoint/v3/contenttype/forms"/>
   </ds:schemaRefs>
 </ds:datastoreItem>
 </file>
